--- a/DotaHelper.pptx
+++ b/DotaHelper.pptx
@@ -2,14 +2,14 @@
 <file path=ppt/presentation.xml><?xml version="1.0" encoding="utf-8"?>
 <p:presentation xmlns:a="http://schemas.openxmlformats.org/drawingml/2006/main" xmlns:r="http://schemas.openxmlformats.org/officeDocument/2006/relationships" xmlns:p="http://schemas.openxmlformats.org/presentationml/2006/main" saveSubsetFonts="1">
   <p:sldMasterIdLst>
-    <p:sldMasterId id="2147483648" r:id="rId1"/>
+    <p:sldMasterId id="2147483708" r:id="rId1"/>
   </p:sldMasterIdLst>
   <p:sldIdLst>
     <p:sldId id="256" r:id="rId2"/>
     <p:sldId id="257" r:id="rId3"/>
-    <p:sldId id="258" r:id="rId4"/>
-    <p:sldId id="260" r:id="rId5"/>
-    <p:sldId id="259" r:id="rId6"/>
+    <p:sldId id="262" r:id="rId4"/>
+    <p:sldId id="258" r:id="rId5"/>
+    <p:sldId id="260" r:id="rId6"/>
     <p:sldId id="261" r:id="rId7"/>
   </p:sldIdLst>
   <p:sldSz cx="9144000" cy="6858000" type="screen4x3"/>
@@ -113,7 +113,7 @@
 </file>
 
 <file path=ppt/slideLayouts/slideLayout1.xml><?xml version="1.0" encoding="utf-8"?>
-<p:sldLayout xmlns:a="http://schemas.openxmlformats.org/drawingml/2006/main" xmlns:r="http://schemas.openxmlformats.org/officeDocument/2006/relationships" xmlns:p="http://schemas.openxmlformats.org/presentationml/2006/main" type="title" preserve="1">
+<p:sldLayout xmlns:a="http://schemas.openxmlformats.org/drawingml/2006/main" xmlns:r="http://schemas.openxmlformats.org/officeDocument/2006/relationships" xmlns:p="http://schemas.openxmlformats.org/presentationml/2006/main" showMasterSp="0" type="title" preserve="1">
   <p:cSld name="Титульный слайд">
     <p:spTree>
       <p:nvGrpSpPr>
@@ -129,215 +129,244 @@
           <a:chExt cx="0" cy="0"/>
         </a:xfrm>
       </p:grpSpPr>
-      <p:sp>
-        <p:nvSpPr>
-          <p:cNvPr id="2" name="Заголовок 1"/>
-          <p:cNvSpPr>
-            <a:spLocks noGrp="1"/>
-          </p:cNvSpPr>
-          <p:nvPr>
-            <p:ph type="ctrTitle"/>
-          </p:nvPr>
-        </p:nvSpPr>
+      <p:pic>
+        <p:nvPicPr>
+          <p:cNvPr id="7" name="Picture 6" descr="horizon.png"/>
+          <p:cNvPicPr>
+            <a:picLocks noChangeAspect="1"/>
+          </p:cNvPicPr>
+          <p:nvPr/>
+        </p:nvPicPr>
+        <p:blipFill>
+          <a:blip r:embed="rId2" cstate="print"/>
+          <a:srcRect t="33333"/>
+          <a:stretch>
+            <a:fillRect/>
+          </a:stretch>
+        </p:blipFill>
         <p:spPr>
           <a:xfrm>
-            <a:off x="685800" y="2130425"/>
+            <a:off x="0" y="0"/>
+            <a:ext cx="9144000" cy="4572000"/>
+          </a:xfrm>
+          <a:prstGeom prst="rect">
+            <a:avLst/>
+          </a:prstGeom>
+        </p:spPr>
+      </p:pic>
+      <p:sp>
+        <p:nvSpPr>
+          <p:cNvPr id="4" name="Date Placeholder 3"/>
+          <p:cNvSpPr>
+            <a:spLocks noGrp="1"/>
+          </p:cNvSpPr>
+          <p:nvPr>
+            <p:ph type="dt" sz="half" idx="10"/>
+          </p:nvPr>
+        </p:nvSpPr>
+        <p:spPr/>
+        <p:txBody>
+          <a:bodyPr/>
+          <a:lstStyle/>
+          <a:p>
+            <a:fld id="{B4C71EC6-210F-42DE-9C53-41977AD35B3D}" type="datetimeFigureOut">
+              <a:rPr lang="ru-RU" smtClean="0"/>
+              <a:t>24.04.2023</a:t>
+            </a:fld>
+            <a:endParaRPr lang="ru-RU"/>
+          </a:p>
+        </p:txBody>
+      </p:sp>
+      <p:sp>
+        <p:nvSpPr>
+          <p:cNvPr id="5" name="Footer Placeholder 4"/>
+          <p:cNvSpPr>
+            <a:spLocks noGrp="1"/>
+          </p:cNvSpPr>
+          <p:nvPr>
+            <p:ph type="ftr" sz="quarter" idx="11"/>
+          </p:nvPr>
+        </p:nvSpPr>
+        <p:spPr/>
+        <p:txBody>
+          <a:bodyPr/>
+          <a:lstStyle/>
+          <a:p>
+            <a:endParaRPr lang="ru-RU"/>
+          </a:p>
+        </p:txBody>
+      </p:sp>
+      <p:sp>
+        <p:nvSpPr>
+          <p:cNvPr id="6" name="Slide Number Placeholder 5"/>
+          <p:cNvSpPr>
+            <a:spLocks noGrp="1"/>
+          </p:cNvSpPr>
+          <p:nvPr>
+            <p:ph type="sldNum" sz="quarter" idx="12"/>
+          </p:nvPr>
+        </p:nvSpPr>
+        <p:spPr/>
+        <p:txBody>
+          <a:bodyPr/>
+          <a:lstStyle/>
+          <a:p>
+            <a:fld id="{B19B0651-EE4F-4900-A07F-96A6BFA9D0F0}" type="slidenum">
+              <a:rPr lang="ru-RU" smtClean="0"/>
+              <a:t>‹#›</a:t>
+            </a:fld>
+            <a:endParaRPr lang="ru-RU"/>
+          </a:p>
+        </p:txBody>
+      </p:sp>
+      <p:sp>
+        <p:nvSpPr>
+          <p:cNvPr id="3" name="Subtitle 2"/>
+          <p:cNvSpPr>
+            <a:spLocks noGrp="1"/>
+          </p:cNvSpPr>
+          <p:nvPr>
+            <p:ph type="subTitle" idx="1"/>
+          </p:nvPr>
+        </p:nvSpPr>
+        <p:spPr>
+          <a:xfrm>
+            <a:off x="1219200" y="3886200"/>
+            <a:ext cx="6400800" cy="1752600"/>
+          </a:xfrm>
+        </p:spPr>
+        <p:txBody>
+          <a:bodyPr>
+            <a:normAutofit/>
+          </a:bodyPr>
+          <a:lstStyle>
+            <a:lvl1pPr marL="0" indent="0" algn="ctr">
+              <a:buNone/>
+              <a:defRPr sz="1700" baseline="0">
+                <a:solidFill>
+                  <a:schemeClr val="tx2"/>
+                </a:solidFill>
+              </a:defRPr>
+            </a:lvl1pPr>
+            <a:lvl2pPr marL="457200" indent="0" algn="ctr">
+              <a:buNone/>
+              <a:defRPr>
+                <a:solidFill>
+                  <a:schemeClr val="tx1">
+                    <a:tint val="75000"/>
+                  </a:schemeClr>
+                </a:solidFill>
+              </a:defRPr>
+            </a:lvl2pPr>
+            <a:lvl3pPr marL="914400" indent="0" algn="ctr">
+              <a:buNone/>
+              <a:defRPr>
+                <a:solidFill>
+                  <a:schemeClr val="tx1">
+                    <a:tint val="75000"/>
+                  </a:schemeClr>
+                </a:solidFill>
+              </a:defRPr>
+            </a:lvl3pPr>
+            <a:lvl4pPr marL="1371600" indent="0" algn="ctr">
+              <a:buNone/>
+              <a:defRPr>
+                <a:solidFill>
+                  <a:schemeClr val="tx1">
+                    <a:tint val="75000"/>
+                  </a:schemeClr>
+                </a:solidFill>
+              </a:defRPr>
+            </a:lvl4pPr>
+            <a:lvl5pPr marL="1828800" indent="0" algn="ctr">
+              <a:buNone/>
+              <a:defRPr>
+                <a:solidFill>
+                  <a:schemeClr val="tx1">
+                    <a:tint val="75000"/>
+                  </a:schemeClr>
+                </a:solidFill>
+              </a:defRPr>
+            </a:lvl5pPr>
+            <a:lvl6pPr marL="2286000" indent="0" algn="ctr">
+              <a:buNone/>
+              <a:defRPr>
+                <a:solidFill>
+                  <a:schemeClr val="tx1">
+                    <a:tint val="75000"/>
+                  </a:schemeClr>
+                </a:solidFill>
+              </a:defRPr>
+            </a:lvl6pPr>
+            <a:lvl7pPr marL="2743200" indent="0" algn="ctr">
+              <a:buNone/>
+              <a:defRPr>
+                <a:solidFill>
+                  <a:schemeClr val="tx1">
+                    <a:tint val="75000"/>
+                  </a:schemeClr>
+                </a:solidFill>
+              </a:defRPr>
+            </a:lvl7pPr>
+            <a:lvl8pPr marL="3200400" indent="0" algn="ctr">
+              <a:buNone/>
+              <a:defRPr>
+                <a:solidFill>
+                  <a:schemeClr val="tx1">
+                    <a:tint val="75000"/>
+                  </a:schemeClr>
+                </a:solidFill>
+              </a:defRPr>
+            </a:lvl8pPr>
+            <a:lvl9pPr marL="3657600" indent="0" algn="ctr">
+              <a:buNone/>
+              <a:defRPr>
+                <a:solidFill>
+                  <a:schemeClr val="tx1">
+                    <a:tint val="75000"/>
+                  </a:schemeClr>
+                </a:solidFill>
+              </a:defRPr>
+            </a:lvl9pPr>
+          </a:lstStyle>
+          <a:p>
+            <a:r>
+              <a:rPr lang="ru-RU" smtClean="0"/>
+              <a:t>Образец подзаголовка</a:t>
+            </a:r>
+            <a:endParaRPr lang="en-US" dirty="0"/>
+          </a:p>
+        </p:txBody>
+      </p:sp>
+      <p:sp>
+        <p:nvSpPr>
+          <p:cNvPr id="2" name="Title 1"/>
+          <p:cNvSpPr>
+            <a:spLocks noGrp="1"/>
+          </p:cNvSpPr>
+          <p:nvPr>
+            <p:ph type="ctrTitle"/>
+          </p:nvPr>
+        </p:nvSpPr>
+        <p:spPr>
+          <a:xfrm>
+            <a:off x="685800" y="2007888"/>
             <a:ext cx="7772400" cy="1470025"/>
           </a:xfrm>
         </p:spPr>
         <p:txBody>
           <a:bodyPr/>
-          <a:lstStyle/>
+          <a:lstStyle>
+            <a:lvl1pPr algn="ctr">
+              <a:defRPr sz="3200"/>
+            </a:lvl1pPr>
+          </a:lstStyle>
           <a:p>
             <a:r>
               <a:rPr lang="ru-RU" smtClean="0"/>
               <a:t>Образец заголовка</a:t>
             </a:r>
-            <a:endParaRPr lang="ru-RU"/>
-          </a:p>
-        </p:txBody>
-      </p:sp>
-      <p:sp>
-        <p:nvSpPr>
-          <p:cNvPr id="3" name="Подзаголовок 2"/>
-          <p:cNvSpPr>
-            <a:spLocks noGrp="1"/>
-          </p:cNvSpPr>
-          <p:nvPr>
-            <p:ph type="subTitle" idx="1"/>
-          </p:nvPr>
-        </p:nvSpPr>
-        <p:spPr>
-          <a:xfrm>
-            <a:off x="1371600" y="3886200"/>
-            <a:ext cx="6400800" cy="1752600"/>
-          </a:xfrm>
-        </p:spPr>
-        <p:txBody>
-          <a:bodyPr/>
-          <a:lstStyle>
-            <a:lvl1pPr marL="0" indent="0" algn="ctr">
-              <a:buNone/>
-              <a:defRPr>
-                <a:solidFill>
-                  <a:schemeClr val="tx1">
-                    <a:tint val="75000"/>
-                  </a:schemeClr>
-                </a:solidFill>
-              </a:defRPr>
-            </a:lvl1pPr>
-            <a:lvl2pPr marL="457200" indent="0" algn="ctr">
-              <a:buNone/>
-              <a:defRPr>
-                <a:solidFill>
-                  <a:schemeClr val="tx1">
-                    <a:tint val="75000"/>
-                  </a:schemeClr>
-                </a:solidFill>
-              </a:defRPr>
-            </a:lvl2pPr>
-            <a:lvl3pPr marL="914400" indent="0" algn="ctr">
-              <a:buNone/>
-              <a:defRPr>
-                <a:solidFill>
-                  <a:schemeClr val="tx1">
-                    <a:tint val="75000"/>
-                  </a:schemeClr>
-                </a:solidFill>
-              </a:defRPr>
-            </a:lvl3pPr>
-            <a:lvl4pPr marL="1371600" indent="0" algn="ctr">
-              <a:buNone/>
-              <a:defRPr>
-                <a:solidFill>
-                  <a:schemeClr val="tx1">
-                    <a:tint val="75000"/>
-                  </a:schemeClr>
-                </a:solidFill>
-              </a:defRPr>
-            </a:lvl4pPr>
-            <a:lvl5pPr marL="1828800" indent="0" algn="ctr">
-              <a:buNone/>
-              <a:defRPr>
-                <a:solidFill>
-                  <a:schemeClr val="tx1">
-                    <a:tint val="75000"/>
-                  </a:schemeClr>
-                </a:solidFill>
-              </a:defRPr>
-            </a:lvl5pPr>
-            <a:lvl6pPr marL="2286000" indent="0" algn="ctr">
-              <a:buNone/>
-              <a:defRPr>
-                <a:solidFill>
-                  <a:schemeClr val="tx1">
-                    <a:tint val="75000"/>
-                  </a:schemeClr>
-                </a:solidFill>
-              </a:defRPr>
-            </a:lvl6pPr>
-            <a:lvl7pPr marL="2743200" indent="0" algn="ctr">
-              <a:buNone/>
-              <a:defRPr>
-                <a:solidFill>
-                  <a:schemeClr val="tx1">
-                    <a:tint val="75000"/>
-                  </a:schemeClr>
-                </a:solidFill>
-              </a:defRPr>
-            </a:lvl7pPr>
-            <a:lvl8pPr marL="3200400" indent="0" algn="ctr">
-              <a:buNone/>
-              <a:defRPr>
-                <a:solidFill>
-                  <a:schemeClr val="tx1">
-                    <a:tint val="75000"/>
-                  </a:schemeClr>
-                </a:solidFill>
-              </a:defRPr>
-            </a:lvl8pPr>
-            <a:lvl9pPr marL="3657600" indent="0" algn="ctr">
-              <a:buNone/>
-              <a:defRPr>
-                <a:solidFill>
-                  <a:schemeClr val="tx1">
-                    <a:tint val="75000"/>
-                  </a:schemeClr>
-                </a:solidFill>
-              </a:defRPr>
-            </a:lvl9pPr>
-          </a:lstStyle>
-          <a:p>
-            <a:r>
-              <a:rPr lang="ru-RU" smtClean="0"/>
-              <a:t>Образец подзаголовка</a:t>
-            </a:r>
-            <a:endParaRPr lang="ru-RU"/>
-          </a:p>
-        </p:txBody>
-      </p:sp>
-      <p:sp>
-        <p:nvSpPr>
-          <p:cNvPr id="4" name="Дата 3"/>
-          <p:cNvSpPr>
-            <a:spLocks noGrp="1"/>
-          </p:cNvSpPr>
-          <p:nvPr>
-            <p:ph type="dt" sz="half" idx="10"/>
-          </p:nvPr>
-        </p:nvSpPr>
-        <p:spPr/>
-        <p:txBody>
-          <a:bodyPr/>
-          <a:lstStyle/>
-          <a:p>
-            <a:fld id="{B4C71EC6-210F-42DE-9C53-41977AD35B3D}" type="datetimeFigureOut">
-              <a:rPr lang="ru-RU" smtClean="0"/>
-              <a:t>21.04.2023</a:t>
-            </a:fld>
-            <a:endParaRPr lang="ru-RU"/>
-          </a:p>
-        </p:txBody>
-      </p:sp>
-      <p:sp>
-        <p:nvSpPr>
-          <p:cNvPr id="5" name="Нижний колонтитул 4"/>
-          <p:cNvSpPr>
-            <a:spLocks noGrp="1"/>
-          </p:cNvSpPr>
-          <p:nvPr>
-            <p:ph type="ftr" sz="quarter" idx="11"/>
-          </p:nvPr>
-        </p:nvSpPr>
-        <p:spPr/>
-        <p:txBody>
-          <a:bodyPr/>
-          <a:lstStyle/>
-          <a:p>
-            <a:endParaRPr lang="ru-RU"/>
-          </a:p>
-        </p:txBody>
-      </p:sp>
-      <p:sp>
-        <p:nvSpPr>
-          <p:cNvPr id="6" name="Номер слайда 5"/>
-          <p:cNvSpPr>
-            <a:spLocks noGrp="1"/>
-          </p:cNvSpPr>
-          <p:nvPr>
-            <p:ph type="sldNum" sz="quarter" idx="12"/>
-          </p:nvPr>
-        </p:nvSpPr>
-        <p:spPr/>
-        <p:txBody>
-          <a:bodyPr/>
-          <a:lstStyle/>
-          <a:p>
-            <a:fld id="{B19B0651-EE4F-4900-A07F-96A6BFA9D0F0}" type="slidenum">
-              <a:rPr lang="ru-RU" smtClean="0"/>
-              <a:t>‹#›</a:t>
-            </a:fld>
-            <a:endParaRPr lang="ru-RU"/>
+            <a:endParaRPr lang="en-US" dirty="0"/>
           </a:p>
         </p:txBody>
       </p:sp>
@@ -368,7 +397,7 @@
       </p:grpSpPr>
       <p:sp>
         <p:nvSpPr>
-          <p:cNvPr id="2" name="Заголовок 1"/>
+          <p:cNvPr id="2" name="Title 1"/>
           <p:cNvSpPr>
             <a:spLocks noGrp="1"/>
           </p:cNvSpPr>
@@ -385,13 +414,13 @@
               <a:rPr lang="ru-RU" smtClean="0"/>
               <a:t>Образец заголовка</a:t>
             </a:r>
-            <a:endParaRPr lang="ru-RU"/>
-          </a:p>
-        </p:txBody>
-      </p:sp>
-      <p:sp>
-        <p:nvSpPr>
-          <p:cNvPr id="3" name="Вертикальный текст 2"/>
+            <a:endParaRPr lang="en-US" dirty="0"/>
+          </a:p>
+        </p:txBody>
+      </p:sp>
+      <p:sp>
+        <p:nvSpPr>
+          <p:cNvPr id="3" name="Vertical Text Placeholder 2"/>
           <p:cNvSpPr>
             <a:spLocks noGrp="1"/>
           </p:cNvSpPr>
@@ -437,13 +466,13 @@
               <a:rPr lang="ru-RU" smtClean="0"/>
               <a:t>Пятый уровень</a:t>
             </a:r>
-            <a:endParaRPr lang="ru-RU"/>
-          </a:p>
-        </p:txBody>
-      </p:sp>
-      <p:sp>
-        <p:nvSpPr>
-          <p:cNvPr id="4" name="Дата 3"/>
+            <a:endParaRPr lang="en-US"/>
+          </a:p>
+        </p:txBody>
+      </p:sp>
+      <p:sp>
+        <p:nvSpPr>
+          <p:cNvPr id="4" name="Date Placeholder 3"/>
           <p:cNvSpPr>
             <a:spLocks noGrp="1"/>
           </p:cNvSpPr>
@@ -458,7 +487,7 @@
           <a:p>
             <a:fld id="{B4C71EC6-210F-42DE-9C53-41977AD35B3D}" type="datetimeFigureOut">
               <a:rPr lang="ru-RU" smtClean="0"/>
-              <a:t>21.04.2023</a:t>
+              <a:t>24.04.2023</a:t>
             </a:fld>
             <a:endParaRPr lang="ru-RU"/>
           </a:p>
@@ -466,7 +495,7 @@
       </p:sp>
       <p:sp>
         <p:nvSpPr>
-          <p:cNvPr id="5" name="Нижний колонтитул 4"/>
+          <p:cNvPr id="5" name="Footer Placeholder 4"/>
           <p:cNvSpPr>
             <a:spLocks noGrp="1"/>
           </p:cNvSpPr>
@@ -485,7 +514,7 @@
       </p:sp>
       <p:sp>
         <p:nvSpPr>
-          <p:cNvPr id="6" name="Номер слайда 5"/>
+          <p:cNvPr id="6" name="Slide Number Placeholder 5"/>
           <p:cNvSpPr>
             <a:spLocks noGrp="1"/>
           </p:cNvSpPr>
@@ -533,7 +562,7 @@
       </p:grpSpPr>
       <p:sp>
         <p:nvSpPr>
-          <p:cNvPr id="2" name="Вертикальный заголовок 1"/>
+          <p:cNvPr id="2" name="Vertical Title 1"/>
           <p:cNvSpPr>
             <a:spLocks noGrp="1"/>
           </p:cNvSpPr>
@@ -555,13 +584,13 @@
               <a:rPr lang="ru-RU" smtClean="0"/>
               <a:t>Образец заголовка</a:t>
             </a:r>
-            <a:endParaRPr lang="ru-RU"/>
-          </a:p>
-        </p:txBody>
-      </p:sp>
-      <p:sp>
-        <p:nvSpPr>
-          <p:cNvPr id="3" name="Вертикальный текст 2"/>
+            <a:endParaRPr lang="en-US" dirty="0"/>
+          </a:p>
+        </p:txBody>
+      </p:sp>
+      <p:sp>
+        <p:nvSpPr>
+          <p:cNvPr id="3" name="Vertical Text Placeholder 2"/>
           <p:cNvSpPr>
             <a:spLocks noGrp="1"/>
           </p:cNvSpPr>
@@ -612,13 +641,13 @@
               <a:rPr lang="ru-RU" smtClean="0"/>
               <a:t>Пятый уровень</a:t>
             </a:r>
-            <a:endParaRPr lang="ru-RU"/>
-          </a:p>
-        </p:txBody>
-      </p:sp>
-      <p:sp>
-        <p:nvSpPr>
-          <p:cNvPr id="4" name="Дата 3"/>
+            <a:endParaRPr lang="en-US"/>
+          </a:p>
+        </p:txBody>
+      </p:sp>
+      <p:sp>
+        <p:nvSpPr>
+          <p:cNvPr id="4" name="Date Placeholder 3"/>
           <p:cNvSpPr>
             <a:spLocks noGrp="1"/>
           </p:cNvSpPr>
@@ -633,7 +662,7 @@
           <a:p>
             <a:fld id="{B4C71EC6-210F-42DE-9C53-41977AD35B3D}" type="datetimeFigureOut">
               <a:rPr lang="ru-RU" smtClean="0"/>
-              <a:t>21.04.2023</a:t>
+              <a:t>24.04.2023</a:t>
             </a:fld>
             <a:endParaRPr lang="ru-RU"/>
           </a:p>
@@ -641,7 +670,7 @@
       </p:sp>
       <p:sp>
         <p:nvSpPr>
-          <p:cNvPr id="5" name="Нижний колонтитул 4"/>
+          <p:cNvPr id="5" name="Footer Placeholder 4"/>
           <p:cNvSpPr>
             <a:spLocks noGrp="1"/>
           </p:cNvSpPr>
@@ -660,7 +689,7 @@
       </p:sp>
       <p:sp>
         <p:nvSpPr>
-          <p:cNvPr id="6" name="Номер слайда 5"/>
+          <p:cNvPr id="6" name="Slide Number Placeholder 5"/>
           <p:cNvSpPr>
             <a:spLocks noGrp="1"/>
           </p:cNvSpPr>
@@ -708,7 +737,7 @@
       </p:grpSpPr>
       <p:sp>
         <p:nvSpPr>
-          <p:cNvPr id="2" name="Заголовок 1"/>
+          <p:cNvPr id="2" name="Title 1"/>
           <p:cNvSpPr>
             <a:spLocks noGrp="1"/>
           </p:cNvSpPr>
@@ -716,89 +745,42 @@
             <p:ph type="title"/>
           </p:nvPr>
         </p:nvSpPr>
+        <p:spPr>
+          <a:xfrm>
+            <a:off x="609600" y="274638"/>
+            <a:ext cx="7924800" cy="1143000"/>
+          </a:xfrm>
+        </p:spPr>
+        <p:txBody>
+          <a:bodyPr/>
+          <a:lstStyle/>
+          <a:p>
+            <a:r>
+              <a:rPr lang="ru-RU" smtClean="0"/>
+              <a:t>Образец заголовка</a:t>
+            </a:r>
+            <a:endParaRPr lang="en-US" dirty="0"/>
+          </a:p>
+        </p:txBody>
+      </p:sp>
+      <p:sp>
+        <p:nvSpPr>
+          <p:cNvPr id="4" name="Date Placeholder 3"/>
+          <p:cNvSpPr>
+            <a:spLocks noGrp="1"/>
+          </p:cNvSpPr>
+          <p:nvPr>
+            <p:ph type="dt" sz="half" idx="10"/>
+          </p:nvPr>
+        </p:nvSpPr>
         <p:spPr/>
         <p:txBody>
           <a:bodyPr/>
           <a:lstStyle/>
           <a:p>
-            <a:r>
-              <a:rPr lang="ru-RU" smtClean="0"/>
-              <a:t>Образец заголовка</a:t>
-            </a:r>
-            <a:endParaRPr lang="ru-RU"/>
-          </a:p>
-        </p:txBody>
-      </p:sp>
-      <p:sp>
-        <p:nvSpPr>
-          <p:cNvPr id="3" name="Содержимое 2"/>
-          <p:cNvSpPr>
-            <a:spLocks noGrp="1"/>
-          </p:cNvSpPr>
-          <p:nvPr>
-            <p:ph idx="1"/>
-          </p:nvPr>
-        </p:nvSpPr>
-        <p:spPr/>
-        <p:txBody>
-          <a:bodyPr/>
-          <a:lstStyle/>
-          <a:p>
-            <a:pPr lvl="0"/>
-            <a:r>
-              <a:rPr lang="ru-RU" smtClean="0"/>
-              <a:t>Образец текста</a:t>
-            </a:r>
-          </a:p>
-          <a:p>
-            <a:pPr lvl="1"/>
-            <a:r>
-              <a:rPr lang="ru-RU" smtClean="0"/>
-              <a:t>Второй уровень</a:t>
-            </a:r>
-          </a:p>
-          <a:p>
-            <a:pPr lvl="2"/>
-            <a:r>
-              <a:rPr lang="ru-RU" smtClean="0"/>
-              <a:t>Третий уровень</a:t>
-            </a:r>
-          </a:p>
-          <a:p>
-            <a:pPr lvl="3"/>
-            <a:r>
-              <a:rPr lang="ru-RU" smtClean="0"/>
-              <a:t>Четвертый уровень</a:t>
-            </a:r>
-          </a:p>
-          <a:p>
-            <a:pPr lvl="4"/>
-            <a:r>
-              <a:rPr lang="ru-RU" smtClean="0"/>
-              <a:t>Пятый уровень</a:t>
-            </a:r>
-            <a:endParaRPr lang="ru-RU"/>
-          </a:p>
-        </p:txBody>
-      </p:sp>
-      <p:sp>
-        <p:nvSpPr>
-          <p:cNvPr id="4" name="Дата 3"/>
-          <p:cNvSpPr>
-            <a:spLocks noGrp="1"/>
-          </p:cNvSpPr>
-          <p:nvPr>
-            <p:ph type="dt" sz="half" idx="10"/>
-          </p:nvPr>
-        </p:nvSpPr>
-        <p:spPr/>
-        <p:txBody>
-          <a:bodyPr/>
-          <a:lstStyle/>
-          <a:p>
             <a:fld id="{B4C71EC6-210F-42DE-9C53-41977AD35B3D}" type="datetimeFigureOut">
               <a:rPr lang="ru-RU" smtClean="0"/>
-              <a:t>21.04.2023</a:t>
+              <a:t>24.04.2023</a:t>
             </a:fld>
             <a:endParaRPr lang="ru-RU"/>
           </a:p>
@@ -806,7 +788,7 @@
       </p:sp>
       <p:sp>
         <p:nvSpPr>
-          <p:cNvPr id="5" name="Нижний колонтитул 4"/>
+          <p:cNvPr id="5" name="Footer Placeholder 4"/>
           <p:cNvSpPr>
             <a:spLocks noGrp="1"/>
           </p:cNvSpPr>
@@ -825,7 +807,7 @@
       </p:sp>
       <p:sp>
         <p:nvSpPr>
-          <p:cNvPr id="6" name="Номер слайда 5"/>
+          <p:cNvPr id="6" name="Slide Number Placeholder 5"/>
           <p:cNvSpPr>
             <a:spLocks noGrp="1"/>
           </p:cNvSpPr>
@@ -843,6 +825,63 @@
               <a:t>‹#›</a:t>
             </a:fld>
             <a:endParaRPr lang="ru-RU"/>
+          </a:p>
+        </p:txBody>
+      </p:sp>
+      <p:sp>
+        <p:nvSpPr>
+          <p:cNvPr id="8" name="Content Placeholder 7"/>
+          <p:cNvSpPr>
+            <a:spLocks noGrp="1"/>
+          </p:cNvSpPr>
+          <p:nvPr>
+            <p:ph sz="quarter" idx="13"/>
+          </p:nvPr>
+        </p:nvSpPr>
+        <p:spPr>
+          <a:xfrm>
+            <a:off x="609600" y="1600200"/>
+            <a:ext cx="7924800" cy="4114800"/>
+          </a:xfrm>
+        </p:spPr>
+        <p:txBody>
+          <a:bodyPr/>
+          <a:lstStyle/>
+          <a:p>
+            <a:pPr lvl="0"/>
+            <a:r>
+              <a:rPr lang="ru-RU" smtClean="0"/>
+              <a:t>Образец текста</a:t>
+            </a:r>
+          </a:p>
+          <a:p>
+            <a:pPr lvl="1"/>
+            <a:r>
+              <a:rPr lang="ru-RU" smtClean="0"/>
+              <a:t>Второй уровень</a:t>
+            </a:r>
+          </a:p>
+          <a:p>
+            <a:pPr lvl="2"/>
+            <a:r>
+              <a:rPr lang="ru-RU" smtClean="0"/>
+              <a:t>Третий уровень</a:t>
+            </a:r>
+          </a:p>
+          <a:p>
+            <a:pPr lvl="3"/>
+            <a:r>
+              <a:rPr lang="ru-RU" smtClean="0"/>
+              <a:t>Четвертый уровень</a:t>
+            </a:r>
+          </a:p>
+          <a:p>
+            <a:pPr lvl="4"/>
+            <a:r>
+              <a:rPr lang="ru-RU" smtClean="0"/>
+              <a:t>Пятый уровень</a:t>
+            </a:r>
+            <a:endParaRPr lang="en-US" dirty="0"/>
           </a:p>
         </p:txBody>
       </p:sp>
@@ -855,7 +894,7 @@
 </file>
 
 <file path=ppt/slideLayouts/slideLayout3.xml><?xml version="1.0" encoding="utf-8"?>
-<p:sldLayout xmlns:a="http://schemas.openxmlformats.org/drawingml/2006/main" xmlns:r="http://schemas.openxmlformats.org/officeDocument/2006/relationships" xmlns:p="http://schemas.openxmlformats.org/presentationml/2006/main" type="secHead" preserve="1">
+<p:sldLayout xmlns:a="http://schemas.openxmlformats.org/drawingml/2006/main" xmlns:r="http://schemas.openxmlformats.org/officeDocument/2006/relationships" xmlns:p="http://schemas.openxmlformats.org/presentationml/2006/main" showMasterSp="0" type="secHead" preserve="1">
   <p:cSld name="Заголовок раздела">
     <p:spTree>
       <p:nvGrpSpPr>
@@ -873,7 +912,7 @@
       </p:grpSpPr>
       <p:sp>
         <p:nvSpPr>
-          <p:cNvPr id="2" name="Заголовок 1"/>
+          <p:cNvPr id="2" name="Title 1"/>
           <p:cNvSpPr>
             <a:spLocks noGrp="1"/>
           </p:cNvSpPr>
@@ -883,15 +922,15 @@
         </p:nvSpPr>
         <p:spPr>
           <a:xfrm>
-            <a:off x="722313" y="4406900"/>
-            <a:ext cx="7772400" cy="1362075"/>
+            <a:off x="609600" y="4962525"/>
+            <a:ext cx="7885113" cy="1362075"/>
           </a:xfrm>
         </p:spPr>
         <p:txBody>
           <a:bodyPr anchor="t"/>
           <a:lstStyle>
             <a:lvl1pPr algn="l">
-              <a:defRPr sz="4000" b="1" cap="all"/>
+              <a:defRPr sz="3200" b="0" i="0" cap="all" baseline="0"/>
             </a:lvl1pPr>
           </a:lstStyle>
           <a:p>
@@ -899,13 +938,13 @@
               <a:rPr lang="ru-RU" smtClean="0"/>
               <a:t>Образец заголовка</a:t>
             </a:r>
-            <a:endParaRPr lang="ru-RU"/>
-          </a:p>
-        </p:txBody>
-      </p:sp>
-      <p:sp>
-        <p:nvSpPr>
-          <p:cNvPr id="3" name="Текст 2"/>
+            <a:endParaRPr lang="en-US" dirty="0"/>
+          </a:p>
+        </p:txBody>
+      </p:sp>
+      <p:sp>
+        <p:nvSpPr>
+          <p:cNvPr id="3" name="Text Placeholder 2"/>
           <p:cNvSpPr>
             <a:spLocks noGrp="1"/>
           </p:cNvSpPr>
@@ -915,20 +954,20 @@
         </p:nvSpPr>
         <p:spPr>
           <a:xfrm>
-            <a:off x="722313" y="2906713"/>
-            <a:ext cx="7772400" cy="1500187"/>
+            <a:off x="609600" y="3462338"/>
+            <a:ext cx="7885113" cy="1500187"/>
           </a:xfrm>
         </p:spPr>
         <p:txBody>
-          <a:bodyPr anchor="b"/>
+          <a:bodyPr anchor="b">
+            <a:normAutofit/>
+          </a:bodyPr>
           <a:lstStyle>
             <a:lvl1pPr marL="0" indent="0">
               <a:buNone/>
-              <a:defRPr sz="2000">
-                <a:solidFill>
-                  <a:schemeClr val="tx1">
-                    <a:tint val="75000"/>
-                  </a:schemeClr>
+              <a:defRPr sz="1700" baseline="0">
+                <a:solidFill>
+                  <a:schemeClr val="tx2"/>
                 </a:solidFill>
               </a:defRPr>
             </a:lvl1pPr>
@@ -1024,7 +1063,7 @@
       </p:sp>
       <p:sp>
         <p:nvSpPr>
-          <p:cNvPr id="4" name="Дата 3"/>
+          <p:cNvPr id="4" name="Date Placeholder 3"/>
           <p:cNvSpPr>
             <a:spLocks noGrp="1"/>
           </p:cNvSpPr>
@@ -1039,7 +1078,7 @@
           <a:p>
             <a:fld id="{B4C71EC6-210F-42DE-9C53-41977AD35B3D}" type="datetimeFigureOut">
               <a:rPr lang="ru-RU" smtClean="0"/>
-              <a:t>21.04.2023</a:t>
+              <a:t>24.04.2023</a:t>
             </a:fld>
             <a:endParaRPr lang="ru-RU"/>
           </a:p>
@@ -1047,7 +1086,7 @@
       </p:sp>
       <p:sp>
         <p:nvSpPr>
-          <p:cNvPr id="5" name="Нижний колонтитул 4"/>
+          <p:cNvPr id="5" name="Footer Placeholder 4"/>
           <p:cNvSpPr>
             <a:spLocks noGrp="1"/>
           </p:cNvSpPr>
@@ -1066,7 +1105,7 @@
       </p:sp>
       <p:sp>
         <p:nvSpPr>
-          <p:cNvPr id="6" name="Номер слайда 5"/>
+          <p:cNvPr id="6" name="Slide Number Placeholder 5"/>
           <p:cNvSpPr>
             <a:spLocks noGrp="1"/>
           </p:cNvSpPr>
@@ -1114,72 +1153,57 @@
       </p:grpSpPr>
       <p:sp>
         <p:nvSpPr>
-          <p:cNvPr id="2" name="Заголовок 1"/>
-          <p:cNvSpPr>
-            <a:spLocks noGrp="1"/>
-          </p:cNvSpPr>
-          <p:nvPr>
-            <p:ph type="title"/>
-          </p:nvPr>
-        </p:nvSpPr>
-        <p:spPr/>
-        <p:txBody>
-          <a:bodyPr/>
-          <a:lstStyle/>
-          <a:p>
-            <a:r>
-              <a:rPr lang="ru-RU" smtClean="0"/>
-              <a:t>Образец заголовка</a:t>
-            </a:r>
-            <a:endParaRPr lang="ru-RU"/>
-          </a:p>
-        </p:txBody>
-      </p:sp>
-      <p:sp>
-        <p:nvSpPr>
-          <p:cNvPr id="3" name="Содержимое 2"/>
-          <p:cNvSpPr>
-            <a:spLocks noGrp="1"/>
-          </p:cNvSpPr>
-          <p:nvPr>
-            <p:ph sz="half" idx="1"/>
+          <p:cNvPr id="11" name="Content Placeholder 10"/>
+          <p:cNvSpPr>
+            <a:spLocks noGrp="1"/>
+          </p:cNvSpPr>
+          <p:nvPr>
+            <p:ph sz="quarter" idx="13"/>
           </p:nvPr>
         </p:nvSpPr>
         <p:spPr>
           <a:xfrm>
-            <a:off x="457200" y="1600200"/>
-            <a:ext cx="4038600" cy="4525963"/>
+            <a:off x="609600" y="1600200"/>
+            <a:ext cx="3733800" cy="4114800"/>
           </a:xfrm>
         </p:spPr>
         <p:txBody>
           <a:bodyPr/>
           <a:lstStyle>
-            <a:lvl1pPr>
-              <a:defRPr sz="2800"/>
-            </a:lvl1pPr>
-            <a:lvl2pPr>
-              <a:defRPr sz="2400"/>
-            </a:lvl2pPr>
-            <a:lvl3pPr>
-              <a:defRPr sz="2000"/>
-            </a:lvl3pPr>
-            <a:lvl4pPr>
-              <a:defRPr sz="1800"/>
-            </a:lvl4pPr>
             <a:lvl5pPr>
-              <a:defRPr sz="1800"/>
+              <a:defRPr/>
             </a:lvl5pPr>
             <a:lvl6pPr>
-              <a:defRPr sz="1800"/>
+              <a:buClr>
+                <a:schemeClr val="tx2"/>
+              </a:buClr>
+              <a:buFont typeface="Arial" pitchFamily="34" charset="0"/>
+              <a:buChar char="•"/>
+              <a:defRPr/>
             </a:lvl6pPr>
             <a:lvl7pPr>
-              <a:defRPr sz="1800"/>
+              <a:buClr>
+                <a:schemeClr val="tx2"/>
+              </a:buClr>
+              <a:buFont typeface="Arial" pitchFamily="34" charset="0"/>
+              <a:buChar char="•"/>
+              <a:defRPr/>
             </a:lvl7pPr>
             <a:lvl8pPr>
-              <a:defRPr sz="1800"/>
+              <a:buClr>
+                <a:schemeClr val="tx2"/>
+              </a:buClr>
+              <a:buFont typeface="Arial" pitchFamily="34" charset="0"/>
+              <a:buChar char="•"/>
+              <a:defRPr/>
             </a:lvl8pPr>
             <a:lvl9pPr>
-              <a:defRPr sz="1800"/>
+              <a:buClr>
+                <a:schemeClr val="tx2"/>
+              </a:buClr>
+              <a:buFont typeface="Arial" pitchFamily="34" charset="0"/>
+              <a:buChar char="•"/>
+              <a:defRPr/>
             </a:lvl9pPr>
           </a:lstStyle>
           <a:p>
@@ -1216,55 +1240,52 @@
               <a:rPr lang="ru-RU" smtClean="0"/>
               <a:t>Пятый уровень</a:t>
             </a:r>
-            <a:endParaRPr lang="ru-RU"/>
-          </a:p>
-        </p:txBody>
-      </p:sp>
-      <p:sp>
-        <p:nvSpPr>
-          <p:cNvPr id="4" name="Содержимое 3"/>
-          <p:cNvSpPr>
-            <a:spLocks noGrp="1"/>
-          </p:cNvSpPr>
-          <p:nvPr>
-            <p:ph sz="half" idx="2"/>
+            <a:endParaRPr lang="en-US" dirty="0" smtClean="0"/>
+          </a:p>
+        </p:txBody>
+      </p:sp>
+      <p:sp>
+        <p:nvSpPr>
+          <p:cNvPr id="13" name="Content Placeholder 12"/>
+          <p:cNvSpPr>
+            <a:spLocks noGrp="1"/>
+          </p:cNvSpPr>
+          <p:nvPr>
+            <p:ph sz="quarter" idx="14"/>
           </p:nvPr>
         </p:nvSpPr>
         <p:spPr>
           <a:xfrm>
-            <a:off x="4648200" y="1600200"/>
-            <a:ext cx="4038600" cy="4525963"/>
+            <a:off x="4800600" y="1600200"/>
+            <a:ext cx="3733800" cy="4114800"/>
           </a:xfrm>
         </p:spPr>
         <p:txBody>
           <a:bodyPr/>
           <a:lstStyle>
-            <a:lvl1pPr>
-              <a:defRPr sz="2800"/>
-            </a:lvl1pPr>
-            <a:lvl2pPr>
-              <a:defRPr sz="2400"/>
-            </a:lvl2pPr>
-            <a:lvl3pPr>
-              <a:defRPr sz="2000"/>
-            </a:lvl3pPr>
-            <a:lvl4pPr>
-              <a:defRPr sz="1800"/>
-            </a:lvl4pPr>
-            <a:lvl5pPr>
-              <a:defRPr sz="1800"/>
-            </a:lvl5pPr>
             <a:lvl6pPr>
-              <a:defRPr sz="1800"/>
+              <a:buClr>
+                <a:schemeClr val="tx2"/>
+              </a:buClr>
+              <a:defRPr/>
             </a:lvl6pPr>
             <a:lvl7pPr>
-              <a:defRPr sz="1800"/>
+              <a:buClr>
+                <a:schemeClr val="tx2"/>
+              </a:buClr>
+              <a:defRPr/>
             </a:lvl7pPr>
             <a:lvl8pPr>
-              <a:defRPr sz="1800"/>
+              <a:buClr>
+                <a:schemeClr val="tx2"/>
+              </a:buClr>
+              <a:defRPr/>
             </a:lvl8pPr>
             <a:lvl9pPr>
-              <a:defRPr sz="1800"/>
+              <a:buClr>
+                <a:schemeClr val="tx2"/>
+              </a:buClr>
+              <a:defRPr/>
             </a:lvl9pPr>
           </a:lstStyle>
           <a:p>
@@ -1301,13 +1322,41 @@
               <a:rPr lang="ru-RU" smtClean="0"/>
               <a:t>Пятый уровень</a:t>
             </a:r>
-            <a:endParaRPr lang="ru-RU"/>
-          </a:p>
-        </p:txBody>
-      </p:sp>
-      <p:sp>
-        <p:nvSpPr>
-          <p:cNvPr id="5" name="Дата 4"/>
+            <a:endParaRPr lang="en-US" dirty="0" smtClean="0"/>
+          </a:p>
+        </p:txBody>
+      </p:sp>
+      <p:sp>
+        <p:nvSpPr>
+          <p:cNvPr id="2" name="Title 1"/>
+          <p:cNvSpPr>
+            <a:spLocks noGrp="1"/>
+          </p:cNvSpPr>
+          <p:nvPr>
+            <p:ph type="title"/>
+          </p:nvPr>
+        </p:nvSpPr>
+        <p:spPr>
+          <a:xfrm>
+            <a:off x="609600" y="274638"/>
+            <a:ext cx="7924800" cy="1143000"/>
+          </a:xfrm>
+        </p:spPr>
+        <p:txBody>
+          <a:bodyPr/>
+          <a:lstStyle/>
+          <a:p>
+            <a:r>
+              <a:rPr lang="ru-RU" smtClean="0"/>
+              <a:t>Образец заголовка</a:t>
+            </a:r>
+            <a:endParaRPr lang="en-US" dirty="0"/>
+          </a:p>
+        </p:txBody>
+      </p:sp>
+      <p:sp>
+        <p:nvSpPr>
+          <p:cNvPr id="5" name="Date Placeholder 4"/>
           <p:cNvSpPr>
             <a:spLocks noGrp="1"/>
           </p:cNvSpPr>
@@ -1322,7 +1371,7 @@
           <a:p>
             <a:fld id="{B4C71EC6-210F-42DE-9C53-41977AD35B3D}" type="datetimeFigureOut">
               <a:rPr lang="ru-RU" smtClean="0"/>
-              <a:t>21.04.2023</a:t>
+              <a:t>24.04.2023</a:t>
             </a:fld>
             <a:endParaRPr lang="ru-RU"/>
           </a:p>
@@ -1330,7 +1379,7 @@
       </p:sp>
       <p:sp>
         <p:nvSpPr>
-          <p:cNvPr id="6" name="Нижний колонтитул 5"/>
+          <p:cNvPr id="6" name="Footer Placeholder 5"/>
           <p:cNvSpPr>
             <a:spLocks noGrp="1"/>
           </p:cNvSpPr>
@@ -1349,7 +1398,7 @@
       </p:sp>
       <p:sp>
         <p:nvSpPr>
-          <p:cNvPr id="7" name="Номер слайда 6"/>
+          <p:cNvPr id="7" name="Slide Number Placeholder 6"/>
           <p:cNvSpPr>
             <a:spLocks noGrp="1"/>
           </p:cNvSpPr>
@@ -1397,7 +1446,171 @@
       </p:grpSpPr>
       <p:sp>
         <p:nvSpPr>
-          <p:cNvPr id="2" name="Заголовок 1"/>
+          <p:cNvPr id="13" name="Content Placeholder 12"/>
+          <p:cNvSpPr>
+            <a:spLocks noGrp="1"/>
+          </p:cNvSpPr>
+          <p:nvPr>
+            <p:ph sz="quarter" idx="14"/>
+          </p:nvPr>
+        </p:nvSpPr>
+        <p:spPr>
+          <a:xfrm>
+            <a:off x="4800600" y="2209800"/>
+            <a:ext cx="3733800" cy="3505200"/>
+          </a:xfrm>
+        </p:spPr>
+        <p:txBody>
+          <a:bodyPr/>
+          <a:lstStyle>
+            <a:lvl6pPr>
+              <a:buClr>
+                <a:schemeClr val="tx2"/>
+              </a:buClr>
+              <a:defRPr/>
+            </a:lvl6pPr>
+            <a:lvl7pPr>
+              <a:buClr>
+                <a:schemeClr val="tx2"/>
+              </a:buClr>
+              <a:defRPr/>
+            </a:lvl7pPr>
+            <a:lvl8pPr>
+              <a:buClr>
+                <a:schemeClr val="tx2"/>
+              </a:buClr>
+              <a:defRPr/>
+            </a:lvl8pPr>
+            <a:lvl9pPr>
+              <a:buClr>
+                <a:schemeClr val="tx2"/>
+              </a:buClr>
+              <a:defRPr/>
+            </a:lvl9pPr>
+          </a:lstStyle>
+          <a:p>
+            <a:pPr lvl="0"/>
+            <a:r>
+              <a:rPr lang="ru-RU" smtClean="0"/>
+              <a:t>Образец текста</a:t>
+            </a:r>
+          </a:p>
+          <a:p>
+            <a:pPr lvl="1"/>
+            <a:r>
+              <a:rPr lang="ru-RU" smtClean="0"/>
+              <a:t>Второй уровень</a:t>
+            </a:r>
+          </a:p>
+          <a:p>
+            <a:pPr lvl="2"/>
+            <a:r>
+              <a:rPr lang="ru-RU" smtClean="0"/>
+              <a:t>Третий уровень</a:t>
+            </a:r>
+          </a:p>
+          <a:p>
+            <a:pPr lvl="3"/>
+            <a:r>
+              <a:rPr lang="ru-RU" smtClean="0"/>
+              <a:t>Четвертый уровень</a:t>
+            </a:r>
+          </a:p>
+          <a:p>
+            <a:pPr lvl="4"/>
+            <a:r>
+              <a:rPr lang="ru-RU" smtClean="0"/>
+              <a:t>Пятый уровень</a:t>
+            </a:r>
+            <a:endParaRPr lang="en-US" dirty="0" smtClean="0"/>
+          </a:p>
+        </p:txBody>
+      </p:sp>
+      <p:sp>
+        <p:nvSpPr>
+          <p:cNvPr id="11" name="Content Placeholder 10"/>
+          <p:cNvSpPr>
+            <a:spLocks noGrp="1"/>
+          </p:cNvSpPr>
+          <p:nvPr>
+            <p:ph sz="quarter" idx="13"/>
+          </p:nvPr>
+        </p:nvSpPr>
+        <p:spPr>
+          <a:xfrm>
+            <a:off x="609600" y="2209800"/>
+            <a:ext cx="3733800" cy="3505200"/>
+          </a:xfrm>
+        </p:spPr>
+        <p:txBody>
+          <a:bodyPr/>
+          <a:lstStyle>
+            <a:lvl6pPr>
+              <a:buClr>
+                <a:schemeClr val="tx2"/>
+              </a:buClr>
+              <a:defRPr/>
+            </a:lvl6pPr>
+            <a:lvl7pPr>
+              <a:buClr>
+                <a:schemeClr val="tx2"/>
+              </a:buClr>
+              <a:defRPr/>
+            </a:lvl7pPr>
+            <a:lvl8pPr>
+              <a:buClr>
+                <a:schemeClr val="tx2"/>
+              </a:buClr>
+              <a:defRPr/>
+            </a:lvl8pPr>
+            <a:lvl9pPr>
+              <a:buClr>
+                <a:schemeClr val="tx2"/>
+              </a:buClr>
+              <a:defRPr/>
+            </a:lvl9pPr>
+          </a:lstStyle>
+          <a:p>
+            <a:pPr lvl="0"/>
+            <a:r>
+              <a:rPr lang="ru-RU" smtClean="0"/>
+              <a:t>Образец текста</a:t>
+            </a:r>
+          </a:p>
+          <a:p>
+            <a:pPr lvl="1"/>
+            <a:r>
+              <a:rPr lang="ru-RU" smtClean="0"/>
+              <a:t>Второй уровень</a:t>
+            </a:r>
+          </a:p>
+          <a:p>
+            <a:pPr lvl="2"/>
+            <a:r>
+              <a:rPr lang="ru-RU" smtClean="0"/>
+              <a:t>Третий уровень</a:t>
+            </a:r>
+          </a:p>
+          <a:p>
+            <a:pPr lvl="3"/>
+            <a:r>
+              <a:rPr lang="ru-RU" smtClean="0"/>
+              <a:t>Четвертый уровень</a:t>
+            </a:r>
+          </a:p>
+          <a:p>
+            <a:pPr lvl="4"/>
+            <a:r>
+              <a:rPr lang="ru-RU" smtClean="0"/>
+              <a:t>Пятый уровень</a:t>
+            </a:r>
+            <a:endParaRPr lang="en-US" dirty="0" smtClean="0"/>
+          </a:p>
+        </p:txBody>
+      </p:sp>
+      <p:sp>
+        <p:nvSpPr>
+          <p:cNvPr id="2" name="Title 1"/>
           <p:cNvSpPr>
             <a:spLocks noGrp="1"/>
           </p:cNvSpPr>
@@ -1405,7 +1618,12 @@
             <p:ph type="title"/>
           </p:nvPr>
         </p:nvSpPr>
-        <p:spPr/>
+        <p:spPr>
+          <a:xfrm>
+            <a:off x="609600" y="274638"/>
+            <a:ext cx="7924800" cy="1143000"/>
+          </a:xfrm>
+        </p:spPr>
         <p:txBody>
           <a:bodyPr/>
           <a:lstStyle>
@@ -1418,13 +1636,13 @@
               <a:rPr lang="ru-RU" smtClean="0"/>
               <a:t>Образец заголовка</a:t>
             </a:r>
-            <a:endParaRPr lang="ru-RU"/>
-          </a:p>
-        </p:txBody>
-      </p:sp>
-      <p:sp>
-        <p:nvSpPr>
-          <p:cNvPr id="3" name="Текст 2"/>
+            <a:endParaRPr lang="en-US" dirty="0"/>
+          </a:p>
+        </p:txBody>
+      </p:sp>
+      <p:sp>
+        <p:nvSpPr>
+          <p:cNvPr id="3" name="Text Placeholder 2"/>
           <p:cNvSpPr>
             <a:spLocks noGrp="1"/>
           </p:cNvSpPr>
@@ -1434,16 +1652,22 @@
         </p:nvSpPr>
         <p:spPr>
           <a:xfrm>
-            <a:off x="457200" y="1535113"/>
-            <a:ext cx="4040188" cy="639762"/>
+            <a:off x="609600" y="1600199"/>
+            <a:ext cx="3733800" cy="574675"/>
           </a:xfrm>
         </p:spPr>
         <p:txBody>
-          <a:bodyPr anchor="b"/>
+          <a:bodyPr anchor="b">
+            <a:normAutofit/>
+          </a:bodyPr>
           <a:lstStyle>
             <a:lvl1pPr marL="0" indent="0">
               <a:buNone/>
-              <a:defRPr sz="2400" b="1"/>
+              <a:defRPr sz="1700" b="0" i="0" baseline="0">
+                <a:solidFill>
+                  <a:schemeClr val="tx2"/>
+                </a:solidFill>
+              </a:defRPr>
             </a:lvl1pPr>
             <a:lvl2pPr marL="457200" indent="0">
               <a:buNone/>
@@ -1489,111 +1713,32 @@
       </p:sp>
       <p:sp>
         <p:nvSpPr>
-          <p:cNvPr id="4" name="Содержимое 3"/>
-          <p:cNvSpPr>
-            <a:spLocks noGrp="1"/>
-          </p:cNvSpPr>
-          <p:nvPr>
-            <p:ph sz="half" idx="2"/>
+          <p:cNvPr id="5" name="Text Placeholder 4"/>
+          <p:cNvSpPr>
+            <a:spLocks noGrp="1"/>
+          </p:cNvSpPr>
+          <p:nvPr>
+            <p:ph type="body" sz="quarter" idx="3"/>
           </p:nvPr>
         </p:nvSpPr>
         <p:spPr>
           <a:xfrm>
-            <a:off x="457200" y="2174875"/>
-            <a:ext cx="4040188" cy="3951288"/>
+            <a:off x="4800600" y="1600199"/>
+            <a:ext cx="3733800" cy="574675"/>
           </a:xfrm>
         </p:spPr>
         <p:txBody>
-          <a:bodyPr/>
-          <a:lstStyle>
-            <a:lvl1pPr>
-              <a:defRPr sz="2400"/>
-            </a:lvl1pPr>
-            <a:lvl2pPr>
-              <a:defRPr sz="2000"/>
-            </a:lvl2pPr>
-            <a:lvl3pPr>
-              <a:defRPr sz="1800"/>
-            </a:lvl3pPr>
-            <a:lvl4pPr>
-              <a:defRPr sz="1600"/>
-            </a:lvl4pPr>
-            <a:lvl5pPr>
-              <a:defRPr sz="1600"/>
-            </a:lvl5pPr>
-            <a:lvl6pPr>
-              <a:defRPr sz="1600"/>
-            </a:lvl6pPr>
-            <a:lvl7pPr>
-              <a:defRPr sz="1600"/>
-            </a:lvl7pPr>
-            <a:lvl8pPr>
-              <a:defRPr sz="1600"/>
-            </a:lvl8pPr>
-            <a:lvl9pPr>
-              <a:defRPr sz="1600"/>
-            </a:lvl9pPr>
-          </a:lstStyle>
-          <a:p>
-            <a:pPr lvl="0"/>
-            <a:r>
-              <a:rPr lang="ru-RU" smtClean="0"/>
-              <a:t>Образец текста</a:t>
-            </a:r>
-          </a:p>
-          <a:p>
-            <a:pPr lvl="1"/>
-            <a:r>
-              <a:rPr lang="ru-RU" smtClean="0"/>
-              <a:t>Второй уровень</a:t>
-            </a:r>
-          </a:p>
-          <a:p>
-            <a:pPr lvl="2"/>
-            <a:r>
-              <a:rPr lang="ru-RU" smtClean="0"/>
-              <a:t>Третий уровень</a:t>
-            </a:r>
-          </a:p>
-          <a:p>
-            <a:pPr lvl="3"/>
-            <a:r>
-              <a:rPr lang="ru-RU" smtClean="0"/>
-              <a:t>Четвертый уровень</a:t>
-            </a:r>
-          </a:p>
-          <a:p>
-            <a:pPr lvl="4"/>
-            <a:r>
-              <a:rPr lang="ru-RU" smtClean="0"/>
-              <a:t>Пятый уровень</a:t>
-            </a:r>
-            <a:endParaRPr lang="ru-RU"/>
-          </a:p>
-        </p:txBody>
-      </p:sp>
-      <p:sp>
-        <p:nvSpPr>
-          <p:cNvPr id="5" name="Текст 4"/>
-          <p:cNvSpPr>
-            <a:spLocks noGrp="1"/>
-          </p:cNvSpPr>
-          <p:nvPr>
-            <p:ph type="body" sz="quarter" idx="3"/>
-          </p:nvPr>
-        </p:nvSpPr>
-        <p:spPr>
-          <a:xfrm>
-            <a:off x="4645025" y="1535113"/>
-            <a:ext cx="4041775" cy="639762"/>
-          </a:xfrm>
-        </p:spPr>
-        <p:txBody>
-          <a:bodyPr anchor="b"/>
+          <a:bodyPr anchor="b">
+            <a:normAutofit/>
+          </a:bodyPr>
           <a:lstStyle>
             <a:lvl1pPr marL="0" indent="0">
               <a:buNone/>
-              <a:defRPr sz="2400" b="1"/>
+              <a:defRPr sz="1700" b="0" i="0" baseline="0">
+                <a:solidFill>
+                  <a:schemeClr val="tx2"/>
+                </a:solidFill>
+              </a:defRPr>
             </a:lvl1pPr>
             <a:lvl2pPr marL="457200" indent="0">
               <a:buNone/>
@@ -1639,107 +1784,22 @@
       </p:sp>
       <p:sp>
         <p:nvSpPr>
-          <p:cNvPr id="6" name="Содержимое 5"/>
-          <p:cNvSpPr>
-            <a:spLocks noGrp="1"/>
-          </p:cNvSpPr>
-          <p:nvPr>
-            <p:ph sz="quarter" idx="4"/>
-          </p:nvPr>
-        </p:nvSpPr>
-        <p:spPr>
-          <a:xfrm>
-            <a:off x="4645025" y="2174875"/>
-            <a:ext cx="4041775" cy="3951288"/>
-          </a:xfrm>
-        </p:spPr>
+          <p:cNvPr id="7" name="Date Placeholder 6"/>
+          <p:cNvSpPr>
+            <a:spLocks noGrp="1"/>
+          </p:cNvSpPr>
+          <p:nvPr>
+            <p:ph type="dt" sz="half" idx="10"/>
+          </p:nvPr>
+        </p:nvSpPr>
+        <p:spPr/>
         <p:txBody>
           <a:bodyPr/>
-          <a:lstStyle>
-            <a:lvl1pPr>
-              <a:defRPr sz="2400"/>
-            </a:lvl1pPr>
-            <a:lvl2pPr>
-              <a:defRPr sz="2000"/>
-            </a:lvl2pPr>
-            <a:lvl3pPr>
-              <a:defRPr sz="1800"/>
-            </a:lvl3pPr>
-            <a:lvl4pPr>
-              <a:defRPr sz="1600"/>
-            </a:lvl4pPr>
-            <a:lvl5pPr>
-              <a:defRPr sz="1600"/>
-            </a:lvl5pPr>
-            <a:lvl6pPr>
-              <a:defRPr sz="1600"/>
-            </a:lvl6pPr>
-            <a:lvl7pPr>
-              <a:defRPr sz="1600"/>
-            </a:lvl7pPr>
-            <a:lvl8pPr>
-              <a:defRPr sz="1600"/>
-            </a:lvl8pPr>
-            <a:lvl9pPr>
-              <a:defRPr sz="1600"/>
-            </a:lvl9pPr>
-          </a:lstStyle>
-          <a:p>
-            <a:pPr lvl="0"/>
-            <a:r>
-              <a:rPr lang="ru-RU" smtClean="0"/>
-              <a:t>Образец текста</a:t>
-            </a:r>
-          </a:p>
-          <a:p>
-            <a:pPr lvl="1"/>
-            <a:r>
-              <a:rPr lang="ru-RU" smtClean="0"/>
-              <a:t>Второй уровень</a:t>
-            </a:r>
-          </a:p>
-          <a:p>
-            <a:pPr lvl="2"/>
-            <a:r>
-              <a:rPr lang="ru-RU" smtClean="0"/>
-              <a:t>Третий уровень</a:t>
-            </a:r>
-          </a:p>
-          <a:p>
-            <a:pPr lvl="3"/>
-            <a:r>
-              <a:rPr lang="ru-RU" smtClean="0"/>
-              <a:t>Четвертый уровень</a:t>
-            </a:r>
-          </a:p>
-          <a:p>
-            <a:pPr lvl="4"/>
-            <a:r>
-              <a:rPr lang="ru-RU" smtClean="0"/>
-              <a:t>Пятый уровень</a:t>
-            </a:r>
-            <a:endParaRPr lang="ru-RU"/>
-          </a:p>
-        </p:txBody>
-      </p:sp>
-      <p:sp>
-        <p:nvSpPr>
-          <p:cNvPr id="7" name="Дата 6"/>
-          <p:cNvSpPr>
-            <a:spLocks noGrp="1"/>
-          </p:cNvSpPr>
-          <p:nvPr>
-            <p:ph type="dt" sz="half" idx="10"/>
-          </p:nvPr>
-        </p:nvSpPr>
-        <p:spPr/>
-        <p:txBody>
-          <a:bodyPr/>
           <a:lstStyle/>
           <a:p>
             <a:fld id="{B4C71EC6-210F-42DE-9C53-41977AD35B3D}" type="datetimeFigureOut">
               <a:rPr lang="ru-RU" smtClean="0"/>
-              <a:t>21.04.2023</a:t>
+              <a:t>24.04.2023</a:t>
             </a:fld>
             <a:endParaRPr lang="ru-RU"/>
           </a:p>
@@ -1747,7 +1807,7 @@
       </p:sp>
       <p:sp>
         <p:nvSpPr>
-          <p:cNvPr id="8" name="Нижний колонтитул 7"/>
+          <p:cNvPr id="8" name="Footer Placeholder 7"/>
           <p:cNvSpPr>
             <a:spLocks noGrp="1"/>
           </p:cNvSpPr>
@@ -1766,7 +1826,7 @@
       </p:sp>
       <p:sp>
         <p:nvSpPr>
-          <p:cNvPr id="9" name="Номер слайда 8"/>
+          <p:cNvPr id="9" name="Slide Number Placeholder 8"/>
           <p:cNvSpPr>
             <a:spLocks noGrp="1"/>
           </p:cNvSpPr>
@@ -1814,7 +1874,7 @@
       </p:grpSpPr>
       <p:sp>
         <p:nvSpPr>
-          <p:cNvPr id="2" name="Заголовок 1"/>
+          <p:cNvPr id="2" name="Title 1"/>
           <p:cNvSpPr>
             <a:spLocks noGrp="1"/>
           </p:cNvSpPr>
@@ -1822,37 +1882,42 @@
             <p:ph type="title"/>
           </p:nvPr>
         </p:nvSpPr>
+        <p:spPr>
+          <a:xfrm>
+            <a:off x="609600" y="274638"/>
+            <a:ext cx="7924800" cy="1143000"/>
+          </a:xfrm>
+        </p:spPr>
+        <p:txBody>
+          <a:bodyPr/>
+          <a:lstStyle/>
+          <a:p>
+            <a:r>
+              <a:rPr lang="ru-RU" smtClean="0"/>
+              <a:t>Образец заголовка</a:t>
+            </a:r>
+            <a:endParaRPr lang="en-US" dirty="0"/>
+          </a:p>
+        </p:txBody>
+      </p:sp>
+      <p:sp>
+        <p:nvSpPr>
+          <p:cNvPr id="3" name="Date Placeholder 2"/>
+          <p:cNvSpPr>
+            <a:spLocks noGrp="1"/>
+          </p:cNvSpPr>
+          <p:nvPr>
+            <p:ph type="dt" sz="half" idx="10"/>
+          </p:nvPr>
+        </p:nvSpPr>
         <p:spPr/>
         <p:txBody>
           <a:bodyPr/>
           <a:lstStyle/>
           <a:p>
-            <a:r>
-              <a:rPr lang="ru-RU" smtClean="0"/>
-              <a:t>Образец заголовка</a:t>
-            </a:r>
-            <a:endParaRPr lang="ru-RU"/>
-          </a:p>
-        </p:txBody>
-      </p:sp>
-      <p:sp>
-        <p:nvSpPr>
-          <p:cNvPr id="3" name="Дата 2"/>
-          <p:cNvSpPr>
-            <a:spLocks noGrp="1"/>
-          </p:cNvSpPr>
-          <p:nvPr>
-            <p:ph type="dt" sz="half" idx="10"/>
-          </p:nvPr>
-        </p:nvSpPr>
-        <p:spPr/>
-        <p:txBody>
-          <a:bodyPr/>
-          <a:lstStyle/>
-          <a:p>
             <a:fld id="{B4C71EC6-210F-42DE-9C53-41977AD35B3D}" type="datetimeFigureOut">
               <a:rPr lang="ru-RU" smtClean="0"/>
-              <a:t>21.04.2023</a:t>
+              <a:t>24.04.2023</a:t>
             </a:fld>
             <a:endParaRPr lang="ru-RU"/>
           </a:p>
@@ -1860,7 +1925,7 @@
       </p:sp>
       <p:sp>
         <p:nvSpPr>
-          <p:cNvPr id="4" name="Нижний колонтитул 3"/>
+          <p:cNvPr id="4" name="Footer Placeholder 3"/>
           <p:cNvSpPr>
             <a:spLocks noGrp="1"/>
           </p:cNvSpPr>
@@ -1879,7 +1944,7 @@
       </p:sp>
       <p:sp>
         <p:nvSpPr>
-          <p:cNvPr id="5" name="Номер слайда 4"/>
+          <p:cNvPr id="5" name="Slide Number Placeholder 4"/>
           <p:cNvSpPr>
             <a:spLocks noGrp="1"/>
           </p:cNvSpPr>
@@ -1927,7 +1992,7 @@
       </p:grpSpPr>
       <p:sp>
         <p:nvSpPr>
-          <p:cNvPr id="2" name="Дата 1"/>
+          <p:cNvPr id="2" name="Date Placeholder 1"/>
           <p:cNvSpPr>
             <a:spLocks noGrp="1"/>
           </p:cNvSpPr>
@@ -1942,7 +2007,7 @@
           <a:p>
             <a:fld id="{B4C71EC6-210F-42DE-9C53-41977AD35B3D}" type="datetimeFigureOut">
               <a:rPr lang="ru-RU" smtClean="0"/>
-              <a:t>21.04.2023</a:t>
+              <a:t>24.04.2023</a:t>
             </a:fld>
             <a:endParaRPr lang="ru-RU"/>
           </a:p>
@@ -1950,7 +2015,7 @@
       </p:sp>
       <p:sp>
         <p:nvSpPr>
-          <p:cNvPr id="3" name="Нижний колонтитул 2"/>
+          <p:cNvPr id="3" name="Footer Placeholder 2"/>
           <p:cNvSpPr>
             <a:spLocks noGrp="1"/>
           </p:cNvSpPr>
@@ -1969,7 +2034,7 @@
       </p:sp>
       <p:sp>
         <p:nvSpPr>
-          <p:cNvPr id="4" name="Номер слайда 3"/>
+          <p:cNvPr id="4" name="Slide Number Placeholder 3"/>
           <p:cNvSpPr>
             <a:spLocks noGrp="1"/>
           </p:cNvSpPr>
@@ -2017,25 +2082,86 @@
       </p:grpSpPr>
       <p:sp>
         <p:nvSpPr>
-          <p:cNvPr id="2" name="Заголовок 1"/>
-          <p:cNvSpPr>
-            <a:spLocks noGrp="1"/>
-          </p:cNvSpPr>
-          <p:nvPr>
-            <p:ph type="title"/>
+          <p:cNvPr id="9" name="Content Placeholder 8"/>
+          <p:cNvSpPr>
+            <a:spLocks noGrp="1"/>
+          </p:cNvSpPr>
+          <p:nvPr>
+            <p:ph sz="quarter" idx="13"/>
           </p:nvPr>
         </p:nvSpPr>
         <p:spPr>
           <a:xfrm>
-            <a:off x="457200" y="273050"/>
-            <a:ext cx="3008313" cy="1162050"/>
+            <a:off x="3962400" y="1447800"/>
+            <a:ext cx="4648200" cy="4267200"/>
+          </a:xfrm>
+        </p:spPr>
+        <p:txBody>
+          <a:bodyPr/>
+          <a:lstStyle/>
+          <a:p>
+            <a:pPr lvl="0"/>
+            <a:r>
+              <a:rPr lang="ru-RU" smtClean="0"/>
+              <a:t>Образец текста</a:t>
+            </a:r>
+          </a:p>
+          <a:p>
+            <a:pPr lvl="1"/>
+            <a:r>
+              <a:rPr lang="ru-RU" smtClean="0"/>
+              <a:t>Второй уровень</a:t>
+            </a:r>
+          </a:p>
+          <a:p>
+            <a:pPr lvl="2"/>
+            <a:r>
+              <a:rPr lang="ru-RU" smtClean="0"/>
+              <a:t>Третий уровень</a:t>
+            </a:r>
+          </a:p>
+          <a:p>
+            <a:pPr lvl="3"/>
+            <a:r>
+              <a:rPr lang="ru-RU" smtClean="0"/>
+              <a:t>Четвертый уровень</a:t>
+            </a:r>
+          </a:p>
+          <a:p>
+            <a:pPr lvl="4"/>
+            <a:r>
+              <a:rPr lang="ru-RU" smtClean="0"/>
+              <a:t>Пятый уровень</a:t>
+            </a:r>
+            <a:endParaRPr lang="en-US" dirty="0"/>
+          </a:p>
+        </p:txBody>
+      </p:sp>
+      <p:sp>
+        <p:nvSpPr>
+          <p:cNvPr id="2" name="Title 1"/>
+          <p:cNvSpPr>
+            <a:spLocks noGrp="1"/>
+          </p:cNvSpPr>
+          <p:nvPr>
+            <p:ph type="title"/>
+          </p:nvPr>
+        </p:nvSpPr>
+        <p:spPr>
+          <a:xfrm>
+            <a:off x="612648" y="1447800"/>
+            <a:ext cx="2971800" cy="1097280"/>
           </a:xfrm>
         </p:spPr>
         <p:txBody>
           <a:bodyPr anchor="b"/>
           <a:lstStyle>
             <a:lvl1pPr algn="l">
-              <a:defRPr sz="2000" b="1"/>
+              <a:defRPr sz="1800" b="0" i="0" cap="none" baseline="0">
+                <a:solidFill>
+                  <a:schemeClr val="tx2"/>
+                </a:solidFill>
+              </a:defRPr>
             </a:lvl1pPr>
           </a:lstStyle>
           <a:p>
@@ -2043,113 +2169,30 @@
               <a:rPr lang="ru-RU" smtClean="0"/>
               <a:t>Образец заголовка</a:t>
             </a:r>
-            <a:endParaRPr lang="ru-RU"/>
-          </a:p>
-        </p:txBody>
-      </p:sp>
-      <p:sp>
-        <p:nvSpPr>
-          <p:cNvPr id="3" name="Содержимое 2"/>
-          <p:cNvSpPr>
-            <a:spLocks noGrp="1"/>
-          </p:cNvSpPr>
-          <p:nvPr>
-            <p:ph idx="1"/>
+            <a:endParaRPr lang="en-US" dirty="0"/>
+          </a:p>
+        </p:txBody>
+      </p:sp>
+      <p:sp>
+        <p:nvSpPr>
+          <p:cNvPr id="4" name="Text Placeholder 3"/>
+          <p:cNvSpPr>
+            <a:spLocks noGrp="1"/>
+          </p:cNvSpPr>
+          <p:nvPr>
+            <p:ph type="body" sz="half" idx="2"/>
           </p:nvPr>
         </p:nvSpPr>
         <p:spPr>
           <a:xfrm>
-            <a:off x="3575050" y="273050"/>
-            <a:ext cx="5111750" cy="5853113"/>
+            <a:off x="612648" y="2547891"/>
+            <a:ext cx="2971800" cy="3167109"/>
           </a:xfrm>
         </p:spPr>
         <p:txBody>
-          <a:bodyPr/>
-          <a:lstStyle>
-            <a:lvl1pPr>
-              <a:defRPr sz="3200"/>
-            </a:lvl1pPr>
-            <a:lvl2pPr>
-              <a:defRPr sz="2800"/>
-            </a:lvl2pPr>
-            <a:lvl3pPr>
-              <a:defRPr sz="2400"/>
-            </a:lvl3pPr>
-            <a:lvl4pPr>
-              <a:defRPr sz="2000"/>
-            </a:lvl4pPr>
-            <a:lvl5pPr>
-              <a:defRPr sz="2000"/>
-            </a:lvl5pPr>
-            <a:lvl6pPr>
-              <a:defRPr sz="2000"/>
-            </a:lvl6pPr>
-            <a:lvl7pPr>
-              <a:defRPr sz="2000"/>
-            </a:lvl7pPr>
-            <a:lvl8pPr>
-              <a:defRPr sz="2000"/>
-            </a:lvl8pPr>
-            <a:lvl9pPr>
-              <a:defRPr sz="2000"/>
-            </a:lvl9pPr>
-          </a:lstStyle>
-          <a:p>
-            <a:pPr lvl="0"/>
-            <a:r>
-              <a:rPr lang="ru-RU" smtClean="0"/>
-              <a:t>Образец текста</a:t>
-            </a:r>
-          </a:p>
-          <a:p>
-            <a:pPr lvl="1"/>
-            <a:r>
-              <a:rPr lang="ru-RU" smtClean="0"/>
-              <a:t>Второй уровень</a:t>
-            </a:r>
-          </a:p>
-          <a:p>
-            <a:pPr lvl="2"/>
-            <a:r>
-              <a:rPr lang="ru-RU" smtClean="0"/>
-              <a:t>Третий уровень</a:t>
-            </a:r>
-          </a:p>
-          <a:p>
-            <a:pPr lvl="3"/>
-            <a:r>
-              <a:rPr lang="ru-RU" smtClean="0"/>
-              <a:t>Четвертый уровень</a:t>
-            </a:r>
-          </a:p>
-          <a:p>
-            <a:pPr lvl="4"/>
-            <a:r>
-              <a:rPr lang="ru-RU" smtClean="0"/>
-              <a:t>Пятый уровень</a:t>
-            </a:r>
-            <a:endParaRPr lang="ru-RU"/>
-          </a:p>
-        </p:txBody>
-      </p:sp>
-      <p:sp>
-        <p:nvSpPr>
-          <p:cNvPr id="4" name="Текст 3"/>
-          <p:cNvSpPr>
-            <a:spLocks noGrp="1"/>
-          </p:cNvSpPr>
-          <p:nvPr>
-            <p:ph type="body" sz="half" idx="2"/>
-          </p:nvPr>
-        </p:nvSpPr>
-        <p:spPr>
-          <a:xfrm>
-            <a:off x="457200" y="1435100"/>
-            <a:ext cx="3008313" cy="4691063"/>
-          </a:xfrm>
-        </p:spPr>
-        <p:txBody>
-          <a:bodyPr/>
+          <a:bodyPr tIns="9144">
+            <a:normAutofit/>
+          </a:bodyPr>
           <a:lstStyle>
             <a:lvl1pPr marL="0" indent="0">
               <a:buNone/>
@@ -2199,7 +2242,7 @@
       </p:sp>
       <p:sp>
         <p:nvSpPr>
-          <p:cNvPr id="5" name="Дата 4"/>
+          <p:cNvPr id="5" name="Date Placeholder 4"/>
           <p:cNvSpPr>
             <a:spLocks noGrp="1"/>
           </p:cNvSpPr>
@@ -2214,7 +2257,7 @@
           <a:p>
             <a:fld id="{B4C71EC6-210F-42DE-9C53-41977AD35B3D}" type="datetimeFigureOut">
               <a:rPr lang="ru-RU" smtClean="0"/>
-              <a:t>21.04.2023</a:t>
+              <a:t>24.04.2023</a:t>
             </a:fld>
             <a:endParaRPr lang="ru-RU"/>
           </a:p>
@@ -2222,7 +2265,7 @@
       </p:sp>
       <p:sp>
         <p:nvSpPr>
-          <p:cNvPr id="6" name="Нижний колонтитул 5"/>
+          <p:cNvPr id="6" name="Footer Placeholder 5"/>
           <p:cNvSpPr>
             <a:spLocks noGrp="1"/>
           </p:cNvSpPr>
@@ -2241,7 +2284,7 @@
       </p:sp>
       <p:sp>
         <p:nvSpPr>
-          <p:cNvPr id="7" name="Номер слайда 6"/>
+          <p:cNvPr id="7" name="Slide Number Placeholder 6"/>
           <p:cNvSpPr>
             <a:spLocks noGrp="1"/>
           </p:cNvSpPr>
@@ -2271,7 +2314,7 @@
 </file>
 
 <file path=ppt/slideLayouts/slideLayout9.xml><?xml version="1.0" encoding="utf-8"?>
-<p:sldLayout xmlns:a="http://schemas.openxmlformats.org/drawingml/2006/main" xmlns:r="http://schemas.openxmlformats.org/officeDocument/2006/relationships" xmlns:p="http://schemas.openxmlformats.org/presentationml/2006/main" type="picTx" preserve="1">
+<p:sldLayout xmlns:a="http://schemas.openxmlformats.org/drawingml/2006/main" xmlns:r="http://schemas.openxmlformats.org/officeDocument/2006/relationships" xmlns:p="http://schemas.openxmlformats.org/presentationml/2006/main" showMasterSp="0" type="picTx" preserve="1">
   <p:cSld name="Рисунок с подписью">
     <p:spTree>
       <p:nvGrpSpPr>
@@ -2287,27 +2330,55 @@
           <a:chExt cx="0" cy="0"/>
         </a:xfrm>
       </p:grpSpPr>
-      <p:sp>
-        <p:nvSpPr>
-          <p:cNvPr id="2" name="Заголовок 1"/>
-          <p:cNvSpPr>
-            <a:spLocks noGrp="1"/>
-          </p:cNvSpPr>
-          <p:nvPr>
-            <p:ph type="title"/>
-          </p:nvPr>
-        </p:nvSpPr>
+      <p:pic>
+        <p:nvPicPr>
+          <p:cNvPr id="11" name="Picture 10" descr="horizon.png"/>
+          <p:cNvPicPr>
+            <a:picLocks noChangeAspect="1"/>
+          </p:cNvPicPr>
+          <p:nvPr/>
+        </p:nvPicPr>
+        <p:blipFill>
+          <a:blip r:embed="rId2" cstate="print"/>
+          <a:stretch>
+            <a:fillRect/>
+          </a:stretch>
+        </p:blipFill>
         <p:spPr>
           <a:xfrm>
-            <a:off x="1792288" y="4800600"/>
-            <a:ext cx="5486400" cy="566738"/>
+            <a:off x="0" y="0"/>
+            <a:ext cx="9144000" cy="6858000"/>
+          </a:xfrm>
+          <a:prstGeom prst="rect">
+            <a:avLst/>
+          </a:prstGeom>
+        </p:spPr>
+      </p:pic>
+      <p:sp>
+        <p:nvSpPr>
+          <p:cNvPr id="2" name="Title 1"/>
+          <p:cNvSpPr>
+            <a:spLocks noGrp="1"/>
+          </p:cNvSpPr>
+          <p:nvPr>
+            <p:ph type="title"/>
+          </p:nvPr>
+        </p:nvSpPr>
+        <p:spPr>
+          <a:xfrm>
+            <a:off x="609600" y="1447800"/>
+            <a:ext cx="2971800" cy="1097280"/>
           </a:xfrm>
         </p:spPr>
         <p:txBody>
           <a:bodyPr anchor="b"/>
           <a:lstStyle>
             <a:lvl1pPr algn="l">
-              <a:defRPr sz="2000" b="1"/>
+              <a:defRPr sz="1800" b="0" i="0" cap="none" baseline="0">
+                <a:solidFill>
+                  <a:schemeClr val="tx2"/>
+                </a:solidFill>
+              </a:defRPr>
             </a:lvl1pPr>
           </a:lstStyle>
           <a:p>
@@ -2315,13 +2386,13 @@
               <a:rPr lang="ru-RU" smtClean="0"/>
               <a:t>Образец заголовка</a:t>
             </a:r>
-            <a:endParaRPr lang="ru-RU"/>
-          </a:p>
-        </p:txBody>
-      </p:sp>
-      <p:sp>
-        <p:nvSpPr>
-          <p:cNvPr id="3" name="Рисунок 2"/>
+            <a:endParaRPr lang="en-US" dirty="0"/>
+          </a:p>
+        </p:txBody>
+      </p:sp>
+      <p:sp>
+        <p:nvSpPr>
+          <p:cNvPr id="3" name="Picture Placeholder 2"/>
           <p:cNvSpPr>
             <a:spLocks noGrp="1"/>
           </p:cNvSpPr>
@@ -2331,16 +2402,250 @@
         </p:nvSpPr>
         <p:spPr>
           <a:xfrm>
-            <a:off x="1792288" y="612775"/>
-            <a:ext cx="5486400" cy="4114800"/>
+            <a:off x="4657344" y="1447800"/>
+            <a:ext cx="3419856" cy="3474720"/>
           </a:xfrm>
+          <a:custGeom>
+            <a:avLst/>
+            <a:gdLst>
+              <a:gd name="connsiteX0" fmla="*/ 0 w 3419856"/>
+              <a:gd name="connsiteY0" fmla="*/ 74450 h 3429000"/>
+              <a:gd name="connsiteX1" fmla="*/ 21806 w 3419856"/>
+              <a:gd name="connsiteY1" fmla="*/ 21806 h 3429000"/>
+              <a:gd name="connsiteX2" fmla="*/ 74450 w 3419856"/>
+              <a:gd name="connsiteY2" fmla="*/ 0 h 3429000"/>
+              <a:gd name="connsiteX3" fmla="*/ 3345406 w 3419856"/>
+              <a:gd name="connsiteY3" fmla="*/ 0 h 3429000"/>
+              <a:gd name="connsiteX4" fmla="*/ 3398050 w 3419856"/>
+              <a:gd name="connsiteY4" fmla="*/ 21806 h 3429000"/>
+              <a:gd name="connsiteX5" fmla="*/ 3419856 w 3419856"/>
+              <a:gd name="connsiteY5" fmla="*/ 74450 h 3429000"/>
+              <a:gd name="connsiteX6" fmla="*/ 3419856 w 3419856"/>
+              <a:gd name="connsiteY6" fmla="*/ 3354550 h 3429000"/>
+              <a:gd name="connsiteX7" fmla="*/ 3398050 w 3419856"/>
+              <a:gd name="connsiteY7" fmla="*/ 3407194 h 3429000"/>
+              <a:gd name="connsiteX8" fmla="*/ 3345406 w 3419856"/>
+              <a:gd name="connsiteY8" fmla="*/ 3429000 h 3429000"/>
+              <a:gd name="connsiteX9" fmla="*/ 74450 w 3419856"/>
+              <a:gd name="connsiteY9" fmla="*/ 3429000 h 3429000"/>
+              <a:gd name="connsiteX10" fmla="*/ 21806 w 3419856"/>
+              <a:gd name="connsiteY10" fmla="*/ 3407194 h 3429000"/>
+              <a:gd name="connsiteX11" fmla="*/ 0 w 3419856"/>
+              <a:gd name="connsiteY11" fmla="*/ 3354550 h 3429000"/>
+              <a:gd name="connsiteX12" fmla="*/ 0 w 3419856"/>
+              <a:gd name="connsiteY12" fmla="*/ 74450 h 3429000"/>
+              <a:gd name="connsiteX0" fmla="*/ 0 w 3419856"/>
+              <a:gd name="connsiteY0" fmla="*/ 74450 h 3429000"/>
+              <a:gd name="connsiteX1" fmla="*/ 21806 w 3419856"/>
+              <a:gd name="connsiteY1" fmla="*/ 21806 h 3429000"/>
+              <a:gd name="connsiteX2" fmla="*/ 74450 w 3419856"/>
+              <a:gd name="connsiteY2" fmla="*/ 0 h 3429000"/>
+              <a:gd name="connsiteX3" fmla="*/ 3345406 w 3419856"/>
+              <a:gd name="connsiteY3" fmla="*/ 0 h 3429000"/>
+              <a:gd name="connsiteX4" fmla="*/ 3398050 w 3419856"/>
+              <a:gd name="connsiteY4" fmla="*/ 21806 h 3429000"/>
+              <a:gd name="connsiteX5" fmla="*/ 3419856 w 3419856"/>
+              <a:gd name="connsiteY5" fmla="*/ 74450 h 3429000"/>
+              <a:gd name="connsiteX6" fmla="*/ 3419856 w 3419856"/>
+              <a:gd name="connsiteY6" fmla="*/ 3354550 h 3429000"/>
+              <a:gd name="connsiteX7" fmla="*/ 3398050 w 3419856"/>
+              <a:gd name="connsiteY7" fmla="*/ 3407194 h 3429000"/>
+              <a:gd name="connsiteX8" fmla="*/ 3345406 w 3419856"/>
+              <a:gd name="connsiteY8" fmla="*/ 3429000 h 3429000"/>
+              <a:gd name="connsiteX9" fmla="*/ 21806 w 3419856"/>
+              <a:gd name="connsiteY9" fmla="*/ 3407194 h 3429000"/>
+              <a:gd name="connsiteX10" fmla="*/ 0 w 3419856"/>
+              <a:gd name="connsiteY10" fmla="*/ 3354550 h 3429000"/>
+              <a:gd name="connsiteX11" fmla="*/ 0 w 3419856"/>
+              <a:gd name="connsiteY11" fmla="*/ 74450 h 3429000"/>
+              <a:gd name="connsiteX0" fmla="*/ 0 w 3964392"/>
+              <a:gd name="connsiteY0" fmla="*/ 74450 h 3415968"/>
+              <a:gd name="connsiteX1" fmla="*/ 21806 w 3964392"/>
+              <a:gd name="connsiteY1" fmla="*/ 21806 h 3415968"/>
+              <a:gd name="connsiteX2" fmla="*/ 74450 w 3964392"/>
+              <a:gd name="connsiteY2" fmla="*/ 0 h 3415968"/>
+              <a:gd name="connsiteX3" fmla="*/ 3345406 w 3964392"/>
+              <a:gd name="connsiteY3" fmla="*/ 0 h 3415968"/>
+              <a:gd name="connsiteX4" fmla="*/ 3398050 w 3964392"/>
+              <a:gd name="connsiteY4" fmla="*/ 21806 h 3415968"/>
+              <a:gd name="connsiteX5" fmla="*/ 3419856 w 3964392"/>
+              <a:gd name="connsiteY5" fmla="*/ 74450 h 3415968"/>
+              <a:gd name="connsiteX6" fmla="*/ 3419856 w 3964392"/>
+              <a:gd name="connsiteY6" fmla="*/ 3354550 h 3415968"/>
+              <a:gd name="connsiteX7" fmla="*/ 3398050 w 3964392"/>
+              <a:gd name="connsiteY7" fmla="*/ 3407194 h 3415968"/>
+              <a:gd name="connsiteX8" fmla="*/ 21806 w 3964392"/>
+              <a:gd name="connsiteY8" fmla="*/ 3407194 h 3415968"/>
+              <a:gd name="connsiteX9" fmla="*/ 0 w 3964392"/>
+              <a:gd name="connsiteY9" fmla="*/ 3354550 h 3415968"/>
+              <a:gd name="connsiteX10" fmla="*/ 0 w 3964392"/>
+              <a:gd name="connsiteY10" fmla="*/ 74450 h 3415968"/>
+              <a:gd name="connsiteX0" fmla="*/ 0 w 3964392"/>
+              <a:gd name="connsiteY0" fmla="*/ 74450 h 3415968"/>
+              <a:gd name="connsiteX1" fmla="*/ 21806 w 3964392"/>
+              <a:gd name="connsiteY1" fmla="*/ 21806 h 3415968"/>
+              <a:gd name="connsiteX2" fmla="*/ 74450 w 3964392"/>
+              <a:gd name="connsiteY2" fmla="*/ 0 h 3415968"/>
+              <a:gd name="connsiteX3" fmla="*/ 3345406 w 3964392"/>
+              <a:gd name="connsiteY3" fmla="*/ 0 h 3415968"/>
+              <a:gd name="connsiteX4" fmla="*/ 3398050 w 3964392"/>
+              <a:gd name="connsiteY4" fmla="*/ 21806 h 3415968"/>
+              <a:gd name="connsiteX5" fmla="*/ 3419856 w 3964392"/>
+              <a:gd name="connsiteY5" fmla="*/ 74450 h 3415968"/>
+              <a:gd name="connsiteX6" fmla="*/ 3419856 w 3964392"/>
+              <a:gd name="connsiteY6" fmla="*/ 3354550 h 3415968"/>
+              <a:gd name="connsiteX7" fmla="*/ 3398050 w 3964392"/>
+              <a:gd name="connsiteY7" fmla="*/ 3407194 h 3415968"/>
+              <a:gd name="connsiteX8" fmla="*/ 21806 w 3964392"/>
+              <a:gd name="connsiteY8" fmla="*/ 3407194 h 3415968"/>
+              <a:gd name="connsiteX9" fmla="*/ 0 w 3964392"/>
+              <a:gd name="connsiteY9" fmla="*/ 3354550 h 3415968"/>
+              <a:gd name="connsiteX10" fmla="*/ 0 w 3964392"/>
+              <a:gd name="connsiteY10" fmla="*/ 74450 h 3415968"/>
+              <a:gd name="connsiteX0" fmla="*/ 0 w 3968026"/>
+              <a:gd name="connsiteY0" fmla="*/ 74450 h 3910007"/>
+              <a:gd name="connsiteX1" fmla="*/ 21806 w 3968026"/>
+              <a:gd name="connsiteY1" fmla="*/ 21806 h 3910007"/>
+              <a:gd name="connsiteX2" fmla="*/ 74450 w 3968026"/>
+              <a:gd name="connsiteY2" fmla="*/ 0 h 3910007"/>
+              <a:gd name="connsiteX3" fmla="*/ 3345406 w 3968026"/>
+              <a:gd name="connsiteY3" fmla="*/ 0 h 3910007"/>
+              <a:gd name="connsiteX4" fmla="*/ 3398050 w 3968026"/>
+              <a:gd name="connsiteY4" fmla="*/ 21806 h 3910007"/>
+              <a:gd name="connsiteX5" fmla="*/ 3419856 w 3968026"/>
+              <a:gd name="connsiteY5" fmla="*/ 74450 h 3910007"/>
+              <a:gd name="connsiteX6" fmla="*/ 3419856 w 3968026"/>
+              <a:gd name="connsiteY6" fmla="*/ 3354550 h 3910007"/>
+              <a:gd name="connsiteX7" fmla="*/ 3398050 w 3968026"/>
+              <a:gd name="connsiteY7" fmla="*/ 3407194 h 3910007"/>
+              <a:gd name="connsiteX8" fmla="*/ 0 w 3968026"/>
+              <a:gd name="connsiteY8" fmla="*/ 3354550 h 3910007"/>
+              <a:gd name="connsiteX9" fmla="*/ 0 w 3968026"/>
+              <a:gd name="connsiteY9" fmla="*/ 74450 h 3910007"/>
+              <a:gd name="connsiteX0" fmla="*/ 0 w 3419856"/>
+              <a:gd name="connsiteY0" fmla="*/ 74450 h 3901233"/>
+              <a:gd name="connsiteX1" fmla="*/ 21806 w 3419856"/>
+              <a:gd name="connsiteY1" fmla="*/ 21806 h 3901233"/>
+              <a:gd name="connsiteX2" fmla="*/ 74450 w 3419856"/>
+              <a:gd name="connsiteY2" fmla="*/ 0 h 3901233"/>
+              <a:gd name="connsiteX3" fmla="*/ 3345406 w 3419856"/>
+              <a:gd name="connsiteY3" fmla="*/ 0 h 3901233"/>
+              <a:gd name="connsiteX4" fmla="*/ 3398050 w 3419856"/>
+              <a:gd name="connsiteY4" fmla="*/ 21806 h 3901233"/>
+              <a:gd name="connsiteX5" fmla="*/ 3419856 w 3419856"/>
+              <a:gd name="connsiteY5" fmla="*/ 74450 h 3901233"/>
+              <a:gd name="connsiteX6" fmla="*/ 3419856 w 3419856"/>
+              <a:gd name="connsiteY6" fmla="*/ 3354550 h 3901233"/>
+              <a:gd name="connsiteX7" fmla="*/ 0 w 3419856"/>
+              <a:gd name="connsiteY7" fmla="*/ 3354550 h 3901233"/>
+              <a:gd name="connsiteX8" fmla="*/ 0 w 3419856"/>
+              <a:gd name="connsiteY8" fmla="*/ 74450 h 3901233"/>
+              <a:gd name="connsiteX0" fmla="*/ 0 w 3419856"/>
+              <a:gd name="connsiteY0" fmla="*/ 74450 h 3354550"/>
+              <a:gd name="connsiteX1" fmla="*/ 21806 w 3419856"/>
+              <a:gd name="connsiteY1" fmla="*/ 21806 h 3354550"/>
+              <a:gd name="connsiteX2" fmla="*/ 74450 w 3419856"/>
+              <a:gd name="connsiteY2" fmla="*/ 0 h 3354550"/>
+              <a:gd name="connsiteX3" fmla="*/ 3345406 w 3419856"/>
+              <a:gd name="connsiteY3" fmla="*/ 0 h 3354550"/>
+              <a:gd name="connsiteX4" fmla="*/ 3398050 w 3419856"/>
+              <a:gd name="connsiteY4" fmla="*/ 21806 h 3354550"/>
+              <a:gd name="connsiteX5" fmla="*/ 3419856 w 3419856"/>
+              <a:gd name="connsiteY5" fmla="*/ 74450 h 3354550"/>
+              <a:gd name="connsiteX6" fmla="*/ 3419856 w 3419856"/>
+              <a:gd name="connsiteY6" fmla="*/ 3354550 h 3354550"/>
+              <a:gd name="connsiteX7" fmla="*/ 0 w 3419856"/>
+              <a:gd name="connsiteY7" fmla="*/ 3354550 h 3354550"/>
+              <a:gd name="connsiteX8" fmla="*/ 0 w 3419856"/>
+              <a:gd name="connsiteY8" fmla="*/ 74450 h 3354550"/>
+            </a:gdLst>
+            <a:ahLst/>
+            <a:cxnLst>
+              <a:cxn ang="0">
+                <a:pos x="connsiteX0" y="connsiteY0"/>
+              </a:cxn>
+              <a:cxn ang="0">
+                <a:pos x="connsiteX1" y="connsiteY1"/>
+              </a:cxn>
+              <a:cxn ang="0">
+                <a:pos x="connsiteX2" y="connsiteY2"/>
+              </a:cxn>
+              <a:cxn ang="0">
+                <a:pos x="connsiteX3" y="connsiteY3"/>
+              </a:cxn>
+              <a:cxn ang="0">
+                <a:pos x="connsiteX4" y="connsiteY4"/>
+              </a:cxn>
+              <a:cxn ang="0">
+                <a:pos x="connsiteX5" y="connsiteY5"/>
+              </a:cxn>
+              <a:cxn ang="0">
+                <a:pos x="connsiteX6" y="connsiteY6"/>
+              </a:cxn>
+              <a:cxn ang="0">
+                <a:pos x="connsiteX7" y="connsiteY7"/>
+              </a:cxn>
+              <a:cxn ang="0">
+                <a:pos x="connsiteX8" y="connsiteY8"/>
+              </a:cxn>
+            </a:cxnLst>
+            <a:rect l="l" t="t" r="r" b="b"/>
+            <a:pathLst>
+              <a:path w="3419856" h="3354550">
+                <a:moveTo>
+                  <a:pt x="0" y="74450"/>
+                </a:moveTo>
+                <a:cubicBezTo>
+                  <a:pt x="0" y="54705"/>
+                  <a:pt x="7844" y="35768"/>
+                  <a:pt x="21806" y="21806"/>
+                </a:cubicBezTo>
+                <a:cubicBezTo>
+                  <a:pt x="35768" y="7844"/>
+                  <a:pt x="54705" y="0"/>
+                  <a:pt x="74450" y="0"/>
+                </a:cubicBezTo>
+                <a:lnTo>
+                  <a:pt x="3345406" y="0"/>
+                </a:lnTo>
+                <a:cubicBezTo>
+                  <a:pt x="3365151" y="0"/>
+                  <a:pt x="3384088" y="7844"/>
+                  <a:pt x="3398050" y="21806"/>
+                </a:cubicBezTo>
+                <a:cubicBezTo>
+                  <a:pt x="3412012" y="35768"/>
+                  <a:pt x="3419856" y="54705"/>
+                  <a:pt x="3419856" y="74450"/>
+                </a:cubicBezTo>
+                <a:lnTo>
+                  <a:pt x="3419856" y="3354550"/>
+                </a:lnTo>
+                <a:lnTo>
+                  <a:pt x="0" y="3354550"/>
+                </a:lnTo>
+                <a:lnTo>
+                  <a:pt x="0" y="74450"/>
+                </a:lnTo>
+                <a:close/>
+              </a:path>
+            </a:pathLst>
+          </a:custGeom>
         </p:spPr>
         <p:txBody>
-          <a:bodyPr/>
+          <a:bodyPr>
+            <a:normAutofit/>
+          </a:bodyPr>
           <a:lstStyle>
-            <a:lvl1pPr marL="0" indent="0">
-              <a:buNone/>
-              <a:defRPr sz="3200"/>
+            <a:lvl1pPr marL="0" indent="0" algn="ctr">
+              <a:buNone/>
+              <a:defRPr sz="2000" baseline="0">
+                <a:solidFill>
+                  <a:schemeClr val="tx1">
+                    <a:lumMod val="65000"/>
+                  </a:schemeClr>
+                </a:solidFill>
+              </a:defRPr>
             </a:lvl1pPr>
             <a:lvl2pPr marL="457200" indent="0">
               <a:buNone/>
@@ -2376,13 +2681,17 @@
             </a:lvl9pPr>
           </a:lstStyle>
           <a:p>
-            <a:endParaRPr lang="ru-RU"/>
-          </a:p>
-        </p:txBody>
-      </p:sp>
-      <p:sp>
-        <p:nvSpPr>
-          <p:cNvPr id="4" name="Текст 3"/>
+            <a:r>
+              <a:rPr lang="ru-RU" smtClean="0"/>
+              <a:t>Вставка рисунка</a:t>
+            </a:r>
+            <a:endParaRPr lang="en-US" dirty="0"/>
+          </a:p>
+        </p:txBody>
+      </p:sp>
+      <p:sp>
+        <p:nvSpPr>
+          <p:cNvPr id="4" name="Text Placeholder 3"/>
           <p:cNvSpPr>
             <a:spLocks noGrp="1"/>
           </p:cNvSpPr>
@@ -2392,12 +2701,14 @@
         </p:nvSpPr>
         <p:spPr>
           <a:xfrm>
-            <a:off x="1792288" y="5367338"/>
-            <a:ext cx="5486400" cy="804862"/>
+            <a:off x="609600" y="2547890"/>
+            <a:ext cx="2971800" cy="2405109"/>
           </a:xfrm>
         </p:spPr>
         <p:txBody>
-          <a:bodyPr/>
+          <a:bodyPr tIns="9144">
+            <a:normAutofit/>
+          </a:bodyPr>
           <a:lstStyle>
             <a:lvl1pPr marL="0" indent="0">
               <a:buNone/>
@@ -2447,7 +2758,7 @@
       </p:sp>
       <p:sp>
         <p:nvSpPr>
-          <p:cNvPr id="5" name="Дата 4"/>
+          <p:cNvPr id="5" name="Date Placeholder 4"/>
           <p:cNvSpPr>
             <a:spLocks noGrp="1"/>
           </p:cNvSpPr>
@@ -2462,7 +2773,7 @@
           <a:p>
             <a:fld id="{B4C71EC6-210F-42DE-9C53-41977AD35B3D}" type="datetimeFigureOut">
               <a:rPr lang="ru-RU" smtClean="0"/>
-              <a:t>21.04.2023</a:t>
+              <a:t>24.04.2023</a:t>
             </a:fld>
             <a:endParaRPr lang="ru-RU"/>
           </a:p>
@@ -2470,7 +2781,7 @@
       </p:sp>
       <p:sp>
         <p:nvSpPr>
-          <p:cNvPr id="6" name="Нижний колонтитул 5"/>
+          <p:cNvPr id="6" name="Footer Placeholder 5"/>
           <p:cNvSpPr>
             <a:spLocks noGrp="1"/>
           </p:cNvSpPr>
@@ -2489,7 +2800,7 @@
       </p:sp>
       <p:sp>
         <p:nvSpPr>
-          <p:cNvPr id="7" name="Номер слайда 6"/>
+          <p:cNvPr id="7" name="Slide Number Placeholder 6"/>
           <p:cNvSpPr>
             <a:spLocks noGrp="1"/>
           </p:cNvSpPr>
@@ -2522,7 +2833,7 @@
 <p:sldMaster xmlns:a="http://schemas.openxmlformats.org/drawingml/2006/main" xmlns:r="http://schemas.openxmlformats.org/officeDocument/2006/relationships" xmlns:p="http://schemas.openxmlformats.org/presentationml/2006/main">
   <p:cSld>
     <p:bg>
-      <p:bgRef idx="1001">
+      <p:bgRef idx="1002">
         <a:schemeClr val="bg1"/>
       </p:bgRef>
     </p:bg>
@@ -2540,129 +2851,151 @@
           <a:chExt cx="0" cy="0"/>
         </a:xfrm>
       </p:grpSpPr>
-      <p:sp>
-        <p:nvSpPr>
-          <p:cNvPr id="2" name="Заголовок 1"/>
-          <p:cNvSpPr>
-            <a:spLocks noGrp="1"/>
-          </p:cNvSpPr>
-          <p:nvPr>
-            <p:ph type="title"/>
-          </p:nvPr>
-        </p:nvSpPr>
+      <p:pic>
+        <p:nvPicPr>
+          <p:cNvPr id="7" name="Picture 6" descr="horizon.png"/>
+          <p:cNvPicPr>
+            <a:picLocks noChangeAspect="1"/>
+          </p:cNvPicPr>
+          <p:nvPr/>
+        </p:nvPicPr>
+        <p:blipFill>
+          <a:blip r:embed="rId13" cstate="print"/>
+          <a:stretch>
+            <a:fillRect/>
+          </a:stretch>
+        </p:blipFill>
         <p:spPr>
           <a:xfrm>
-            <a:off x="457200" y="274638"/>
-            <a:ext cx="8229600" cy="1143000"/>
+            <a:off x="0" y="0"/>
+            <a:ext cx="9144000" cy="6858000"/>
           </a:xfrm>
           <a:prstGeom prst="rect">
             <a:avLst/>
           </a:prstGeom>
         </p:spPr>
-        <p:txBody>
-          <a:bodyPr vert="horz" lIns="91440" tIns="45720" rIns="91440" bIns="45720" rtlCol="0" anchor="ctr">
-            <a:normAutofit/>
-          </a:bodyPr>
-          <a:lstStyle/>
-          <a:p>
-            <a:r>
-              <a:rPr lang="ru-RU" smtClean="0"/>
-              <a:t>Образец заголовка</a:t>
-            </a:r>
-            <a:endParaRPr lang="ru-RU"/>
-          </a:p>
-        </p:txBody>
-      </p:sp>
-      <p:sp>
-        <p:nvSpPr>
-          <p:cNvPr id="3" name="Текст 2"/>
-          <p:cNvSpPr>
-            <a:spLocks noGrp="1"/>
-          </p:cNvSpPr>
-          <p:nvPr>
-            <p:ph type="body" idx="1"/>
+      </p:pic>
+      <p:sp>
+        <p:nvSpPr>
+          <p:cNvPr id="2" name="Title Placeholder 1"/>
+          <p:cNvSpPr>
+            <a:spLocks noGrp="1"/>
+          </p:cNvSpPr>
+          <p:nvPr>
+            <p:ph type="title"/>
           </p:nvPr>
         </p:nvSpPr>
         <p:spPr>
           <a:xfrm>
-            <a:off x="457200" y="1600200"/>
-            <a:ext cx="8229600" cy="4525963"/>
+            <a:off x="609600" y="274638"/>
+            <a:ext cx="7924800" cy="1143000"/>
           </a:xfrm>
           <a:prstGeom prst="rect">
             <a:avLst/>
           </a:prstGeom>
         </p:spPr>
         <p:txBody>
-          <a:bodyPr vert="horz" lIns="91440" tIns="45720" rIns="91440" bIns="45720" rtlCol="0">
-            <a:normAutofit/>
+          <a:bodyPr vert="horz" lIns="91440" tIns="45720" rIns="91440" bIns="45720" rtlCol="0" anchor="b" anchorCtr="0">
+            <a:noAutofit/>
           </a:bodyPr>
           <a:lstStyle/>
           <a:p>
-            <a:pPr lvl="0"/>
-            <a:r>
-              <a:rPr lang="ru-RU" smtClean="0"/>
-              <a:t>Образец текста</a:t>
-            </a:r>
-          </a:p>
-          <a:p>
-            <a:pPr lvl="1"/>
-            <a:r>
-              <a:rPr lang="ru-RU" smtClean="0"/>
-              <a:t>Второй уровень</a:t>
-            </a:r>
-          </a:p>
-          <a:p>
-            <a:pPr lvl="2"/>
-            <a:r>
-              <a:rPr lang="ru-RU" smtClean="0"/>
-              <a:t>Третий уровень</a:t>
-            </a:r>
-          </a:p>
-          <a:p>
-            <a:pPr lvl="3"/>
-            <a:r>
-              <a:rPr lang="ru-RU" smtClean="0"/>
-              <a:t>Четвертый уровень</a:t>
-            </a:r>
-          </a:p>
-          <a:p>
-            <a:pPr lvl="4"/>
-            <a:r>
-              <a:rPr lang="ru-RU" smtClean="0"/>
-              <a:t>Пятый уровень</a:t>
-            </a:r>
-            <a:endParaRPr lang="ru-RU"/>
-          </a:p>
-        </p:txBody>
-      </p:sp>
-      <p:sp>
-        <p:nvSpPr>
-          <p:cNvPr id="4" name="Дата 3"/>
-          <p:cNvSpPr>
-            <a:spLocks noGrp="1"/>
-          </p:cNvSpPr>
-          <p:nvPr>
-            <p:ph type="dt" sz="half" idx="2"/>
+            <a:r>
+              <a:rPr lang="ru-RU" smtClean="0"/>
+              <a:t>Образец заголовка</a:t>
+            </a:r>
+            <a:endParaRPr lang="en-US" dirty="0"/>
+          </a:p>
+        </p:txBody>
+      </p:sp>
+      <p:sp>
+        <p:nvSpPr>
+          <p:cNvPr id="3" name="Text Placeholder 2"/>
+          <p:cNvSpPr>
+            <a:spLocks noGrp="1"/>
+          </p:cNvSpPr>
+          <p:nvPr>
+            <p:ph type="body" idx="1"/>
           </p:nvPr>
         </p:nvSpPr>
         <p:spPr>
           <a:xfrm>
-            <a:off x="457200" y="6356350"/>
-            <a:ext cx="2133600" cy="365125"/>
+            <a:off x="609600" y="1600200"/>
+            <a:ext cx="7924800" cy="4525963"/>
           </a:xfrm>
           <a:prstGeom prst="rect">
             <a:avLst/>
           </a:prstGeom>
         </p:spPr>
         <p:txBody>
+          <a:bodyPr vert="horz" lIns="91440" tIns="45720" rIns="91440" bIns="45720" rtlCol="0">
+            <a:normAutofit/>
+          </a:bodyPr>
+          <a:lstStyle/>
+          <a:p>
+            <a:pPr lvl="0"/>
+            <a:r>
+              <a:rPr lang="ru-RU" smtClean="0"/>
+              <a:t>Образец текста</a:t>
+            </a:r>
+          </a:p>
+          <a:p>
+            <a:pPr lvl="1"/>
+            <a:r>
+              <a:rPr lang="ru-RU" smtClean="0"/>
+              <a:t>Второй уровень</a:t>
+            </a:r>
+          </a:p>
+          <a:p>
+            <a:pPr lvl="2"/>
+            <a:r>
+              <a:rPr lang="ru-RU" smtClean="0"/>
+              <a:t>Третий уровень</a:t>
+            </a:r>
+          </a:p>
+          <a:p>
+            <a:pPr lvl="3"/>
+            <a:r>
+              <a:rPr lang="ru-RU" smtClean="0"/>
+              <a:t>Четвертый уровень</a:t>
+            </a:r>
+          </a:p>
+          <a:p>
+            <a:pPr lvl="4"/>
+            <a:r>
+              <a:rPr lang="ru-RU" smtClean="0"/>
+              <a:t>Пятый уровень</a:t>
+            </a:r>
+            <a:endParaRPr lang="en-US" dirty="0" smtClean="0"/>
+          </a:p>
+        </p:txBody>
+      </p:sp>
+      <p:sp>
+        <p:nvSpPr>
+          <p:cNvPr id="4" name="Date Placeholder 3"/>
+          <p:cNvSpPr>
+            <a:spLocks noGrp="1"/>
+          </p:cNvSpPr>
+          <p:nvPr>
+            <p:ph type="dt" sz="half" idx="2"/>
+          </p:nvPr>
+        </p:nvSpPr>
+        <p:spPr>
+          <a:xfrm>
+            <a:off x="5715000" y="6356350"/>
+            <a:ext cx="1524000" cy="365125"/>
+          </a:xfrm>
+          <a:prstGeom prst="rect">
+            <a:avLst/>
+          </a:prstGeom>
+        </p:spPr>
+        <p:txBody>
           <a:bodyPr vert="horz" lIns="91440" tIns="45720" rIns="91440" bIns="45720" rtlCol="0" anchor="ctr"/>
           <a:lstStyle>
-            <a:lvl1pPr algn="l">
-              <a:defRPr sz="1200">
-                <a:solidFill>
-                  <a:schemeClr val="tx1">
-                    <a:tint val="75000"/>
-                  </a:schemeClr>
+            <a:lvl1pPr algn="r">
+              <a:defRPr sz="1000" strike="noStrike" spc="60" baseline="0">
+                <a:solidFill>
+                  <a:schemeClr val="tx1"/>
                 </a:solidFill>
               </a:defRPr>
             </a:lvl1pPr>
@@ -2670,7 +3003,7 @@
           <a:p>
             <a:fld id="{B4C71EC6-210F-42DE-9C53-41977AD35B3D}" type="datetimeFigureOut">
               <a:rPr lang="ru-RU" smtClean="0"/>
-              <a:t>21.04.2023</a:t>
+              <a:t>24.04.2023</a:t>
             </a:fld>
             <a:endParaRPr lang="ru-RU"/>
           </a:p>
@@ -2678,7 +3011,7 @@
       </p:sp>
       <p:sp>
         <p:nvSpPr>
-          <p:cNvPr id="5" name="Нижний колонтитул 4"/>
+          <p:cNvPr id="5" name="Footer Placeholder 4"/>
           <p:cNvSpPr>
             <a:spLocks noGrp="1"/>
           </p:cNvSpPr>
@@ -2688,7 +3021,7 @@
         </p:nvSpPr>
         <p:spPr>
           <a:xfrm>
-            <a:off x="3124200" y="6356350"/>
+            <a:off x="609600" y="6356350"/>
             <a:ext cx="2895600" cy="365125"/>
           </a:xfrm>
           <a:prstGeom prst="rect">
@@ -2698,12 +3031,10 @@
         <p:txBody>
           <a:bodyPr vert="horz" lIns="91440" tIns="45720" rIns="91440" bIns="45720" rtlCol="0" anchor="ctr"/>
           <a:lstStyle>
-            <a:lvl1pPr algn="ctr">
-              <a:defRPr sz="1200">
-                <a:solidFill>
-                  <a:schemeClr val="tx1">
-                    <a:tint val="75000"/>
-                  </a:schemeClr>
+            <a:lvl1pPr algn="l">
+              <a:defRPr sz="1000" cap="all" spc="60" baseline="0">
+                <a:solidFill>
+                  <a:schemeClr val="tx1"/>
                 </a:solidFill>
               </a:defRPr>
             </a:lvl1pPr>
@@ -2715,7 +3046,7 @@
       </p:sp>
       <p:sp>
         <p:nvSpPr>
-          <p:cNvPr id="6" name="Номер слайда 5"/>
+          <p:cNvPr id="6" name="Slide Number Placeholder 5"/>
           <p:cNvSpPr>
             <a:spLocks noGrp="1"/>
           </p:cNvSpPr>
@@ -2725,8 +3056,8 @@
         </p:nvSpPr>
         <p:spPr>
           <a:xfrm>
-            <a:off x="6553200" y="6356350"/>
-            <a:ext cx="2133600" cy="365125"/>
+            <a:off x="7543800" y="6356350"/>
+            <a:ext cx="990600" cy="365125"/>
           </a:xfrm>
           <a:prstGeom prst="rect">
             <a:avLst/>
@@ -2736,11 +3067,9 @@
           <a:bodyPr vert="horz" lIns="91440" tIns="45720" rIns="91440" bIns="45720" rtlCol="0" anchor="ctr"/>
           <a:lstStyle>
             <a:lvl1pPr algn="r">
-              <a:defRPr sz="1200">
-                <a:solidFill>
-                  <a:schemeClr val="tx1">
-                    <a:tint val="75000"/>
-                  </a:schemeClr>
+              <a:defRPr sz="1100" baseline="0">
+                <a:solidFill>
+                  <a:schemeClr val="tx1"/>
                 </a:solidFill>
               </a:defRPr>
             </a:lvl1pPr>
@@ -2756,28 +3085,28 @@
       </p:sp>
     </p:spTree>
   </p:cSld>
-  <p:clrMap bg1="lt1" tx1="dk1" bg2="lt2" tx2="dk2" accent1="accent1" accent2="accent2" accent3="accent3" accent4="accent4" accent5="accent5" accent6="accent6" hlink="hlink" folHlink="folHlink"/>
+  <p:clrMap bg1="dk1" tx1="lt1" bg2="dk2" tx2="lt2" accent1="accent1" accent2="accent2" accent3="accent3" accent4="accent4" accent5="accent5" accent6="accent6" hlink="hlink" folHlink="folHlink"/>
   <p:sldLayoutIdLst>
-    <p:sldLayoutId id="2147483649" r:id="rId1"/>
-    <p:sldLayoutId id="2147483650" r:id="rId2"/>
-    <p:sldLayoutId id="2147483651" r:id="rId3"/>
-    <p:sldLayoutId id="2147483652" r:id="rId4"/>
-    <p:sldLayoutId id="2147483653" r:id="rId5"/>
-    <p:sldLayoutId id="2147483654" r:id="rId6"/>
-    <p:sldLayoutId id="2147483655" r:id="rId7"/>
-    <p:sldLayoutId id="2147483656" r:id="rId8"/>
-    <p:sldLayoutId id="2147483657" r:id="rId9"/>
-    <p:sldLayoutId id="2147483658" r:id="rId10"/>
-    <p:sldLayoutId id="2147483659" r:id="rId11"/>
+    <p:sldLayoutId id="2147483709" r:id="rId1"/>
+    <p:sldLayoutId id="2147483710" r:id="rId2"/>
+    <p:sldLayoutId id="2147483711" r:id="rId3"/>
+    <p:sldLayoutId id="2147483712" r:id="rId4"/>
+    <p:sldLayoutId id="2147483713" r:id="rId5"/>
+    <p:sldLayoutId id="2147483714" r:id="rId6"/>
+    <p:sldLayoutId id="2147483715" r:id="rId7"/>
+    <p:sldLayoutId id="2147483716" r:id="rId8"/>
+    <p:sldLayoutId id="2147483717" r:id="rId9"/>
+    <p:sldLayoutId id="2147483718" r:id="rId10"/>
+    <p:sldLayoutId id="2147483719" r:id="rId11"/>
   </p:sldLayoutIdLst>
   <p:txStyles>
     <p:titleStyle>
-      <a:lvl1pPr algn="ctr" defTabSz="914400" rtl="0" eaLnBrk="1" latinLnBrk="0" hangingPunct="1">
+      <a:lvl1pPr algn="l" defTabSz="914400" rtl="0" eaLnBrk="1" latinLnBrk="0" hangingPunct="1">
         <a:spcBef>
           <a:spcPct val="0"/>
         </a:spcBef>
         <a:buNone/>
-        <a:defRPr sz="4400" kern="1200">
+        <a:defRPr sz="3000" kern="1200" cap="all" spc="50" baseline="0">
           <a:solidFill>
             <a:schemeClr val="tx1"/>
           </a:solidFill>
@@ -2786,15 +3115,80 @@
           <a:cs typeface="+mj-cs"/>
         </a:defRPr>
       </a:lvl1pPr>
+      <a:lvl2pPr eaLnBrk="1" hangingPunct="1">
+        <a:defRPr>
+          <a:solidFill>
+            <a:schemeClr val="tx2"/>
+          </a:solidFill>
+        </a:defRPr>
+      </a:lvl2pPr>
+      <a:lvl3pPr eaLnBrk="1" hangingPunct="1">
+        <a:defRPr>
+          <a:solidFill>
+            <a:schemeClr val="tx2"/>
+          </a:solidFill>
+        </a:defRPr>
+      </a:lvl3pPr>
+      <a:lvl4pPr eaLnBrk="1" hangingPunct="1">
+        <a:defRPr>
+          <a:solidFill>
+            <a:schemeClr val="tx2"/>
+          </a:solidFill>
+        </a:defRPr>
+      </a:lvl4pPr>
+      <a:lvl5pPr eaLnBrk="1" hangingPunct="1">
+        <a:defRPr>
+          <a:solidFill>
+            <a:schemeClr val="tx2"/>
+          </a:solidFill>
+        </a:defRPr>
+      </a:lvl5pPr>
+      <a:lvl6pPr eaLnBrk="1" hangingPunct="1">
+        <a:defRPr>
+          <a:solidFill>
+            <a:schemeClr val="tx2"/>
+          </a:solidFill>
+        </a:defRPr>
+      </a:lvl6pPr>
+      <a:lvl7pPr eaLnBrk="1" hangingPunct="1">
+        <a:defRPr>
+          <a:solidFill>
+            <a:schemeClr val="tx2"/>
+          </a:solidFill>
+        </a:defRPr>
+      </a:lvl7pPr>
+      <a:lvl8pPr eaLnBrk="1" hangingPunct="1">
+        <a:defRPr>
+          <a:solidFill>
+            <a:schemeClr val="tx2"/>
+          </a:solidFill>
+        </a:defRPr>
+      </a:lvl8pPr>
+      <a:lvl9pPr eaLnBrk="1" hangingPunct="1">
+        <a:defRPr>
+          <a:solidFill>
+            <a:schemeClr val="tx2"/>
+          </a:solidFill>
+        </a:defRPr>
+      </a:lvl9pPr>
     </p:titleStyle>
     <p:bodyStyle>
       <a:lvl1pPr marL="342900" indent="-342900" algn="l" defTabSz="914400" rtl="0" eaLnBrk="1" latinLnBrk="0" hangingPunct="1">
+        <a:lnSpc>
+          <a:spcPct val="100000"/>
+        </a:lnSpc>
         <a:spcBef>
           <a:spcPct val="20000"/>
         </a:spcBef>
+        <a:spcAft>
+          <a:spcPts val="600"/>
+        </a:spcAft>
+        <a:buClr>
+          <a:schemeClr val="tx2"/>
+        </a:buClr>
         <a:buFont typeface="Arial" pitchFamily="34" charset="0"/>
         <a:buChar char="•"/>
-        <a:defRPr sz="3200" kern="1200">
+        <a:defRPr sz="1700" kern="1200" spc="30" baseline="0">
           <a:solidFill>
             <a:schemeClr val="tx1"/>
           </a:solidFill>
@@ -2804,12 +3198,21 @@
         </a:defRPr>
       </a:lvl1pPr>
       <a:lvl2pPr marL="742950" indent="-285750" algn="l" defTabSz="914400" rtl="0" eaLnBrk="1" latinLnBrk="0" hangingPunct="1">
+        <a:lnSpc>
+          <a:spcPct val="100000"/>
+        </a:lnSpc>
         <a:spcBef>
           <a:spcPct val="20000"/>
         </a:spcBef>
+        <a:spcAft>
+          <a:spcPts val="600"/>
+        </a:spcAft>
+        <a:buClr>
+          <a:schemeClr val="tx2"/>
+        </a:buClr>
         <a:buFont typeface="Arial" pitchFamily="34" charset="0"/>
-        <a:buChar char="–"/>
-        <a:defRPr sz="2800" kern="1200">
+        <a:buChar char="•"/>
+        <a:defRPr sz="1700" kern="1200" spc="30" baseline="0">
           <a:solidFill>
             <a:schemeClr val="tx1"/>
           </a:solidFill>
@@ -2819,12 +3222,21 @@
         </a:defRPr>
       </a:lvl2pPr>
       <a:lvl3pPr marL="1143000" indent="-228600" algn="l" defTabSz="914400" rtl="0" eaLnBrk="1" latinLnBrk="0" hangingPunct="1">
+        <a:lnSpc>
+          <a:spcPct val="100000"/>
+        </a:lnSpc>
         <a:spcBef>
           <a:spcPct val="20000"/>
         </a:spcBef>
+        <a:spcAft>
+          <a:spcPts val="600"/>
+        </a:spcAft>
+        <a:buClr>
+          <a:schemeClr val="tx2"/>
+        </a:buClr>
         <a:buFont typeface="Arial" pitchFamily="34" charset="0"/>
         <a:buChar char="•"/>
-        <a:defRPr sz="2400" kern="1200">
+        <a:defRPr sz="1700" kern="1200" spc="30" baseline="0">
           <a:solidFill>
             <a:schemeClr val="tx1"/>
           </a:solidFill>
@@ -2834,12 +3246,21 @@
         </a:defRPr>
       </a:lvl3pPr>
       <a:lvl4pPr marL="1600200" indent="-228600" algn="l" defTabSz="914400" rtl="0" eaLnBrk="1" latinLnBrk="0" hangingPunct="1">
+        <a:lnSpc>
+          <a:spcPct val="100000"/>
+        </a:lnSpc>
         <a:spcBef>
           <a:spcPct val="20000"/>
         </a:spcBef>
+        <a:spcAft>
+          <a:spcPts val="600"/>
+        </a:spcAft>
+        <a:buClr>
+          <a:schemeClr val="tx2"/>
+        </a:buClr>
         <a:buFont typeface="Arial" pitchFamily="34" charset="0"/>
-        <a:buChar char="–"/>
-        <a:defRPr sz="2000" kern="1200">
+        <a:buChar char="•"/>
+        <a:defRPr sz="1700" kern="1200" spc="30" baseline="0">
           <a:solidFill>
             <a:schemeClr val="tx1"/>
           </a:solidFill>
@@ -2849,12 +3270,21 @@
         </a:defRPr>
       </a:lvl4pPr>
       <a:lvl5pPr marL="2057400" indent="-228600" algn="l" defTabSz="914400" rtl="0" eaLnBrk="1" latinLnBrk="0" hangingPunct="1">
+        <a:lnSpc>
+          <a:spcPct val="100000"/>
+        </a:lnSpc>
         <a:spcBef>
           <a:spcPct val="20000"/>
         </a:spcBef>
+        <a:spcAft>
+          <a:spcPts val="600"/>
+        </a:spcAft>
+        <a:buClr>
+          <a:schemeClr val="tx2"/>
+        </a:buClr>
         <a:buFont typeface="Arial" pitchFamily="34" charset="0"/>
-        <a:buChar char="»"/>
-        <a:defRPr sz="2000" kern="1200">
+        <a:buChar char="•"/>
+        <a:defRPr sz="1700" kern="1200" spc="30" baseline="0">
           <a:solidFill>
             <a:schemeClr val="tx1"/>
           </a:solidFill>
@@ -2864,12 +3294,21 @@
         </a:defRPr>
       </a:lvl5pPr>
       <a:lvl6pPr marL="2514600" indent="-228600" algn="l" defTabSz="914400" rtl="0" eaLnBrk="1" latinLnBrk="0" hangingPunct="1">
+        <a:lnSpc>
+          <a:spcPct val="100000"/>
+        </a:lnSpc>
         <a:spcBef>
           <a:spcPct val="20000"/>
         </a:spcBef>
+        <a:spcAft>
+          <a:spcPts val="600"/>
+        </a:spcAft>
+        <a:buClr>
+          <a:schemeClr val="tx2"/>
+        </a:buClr>
         <a:buFont typeface="Arial" pitchFamily="34" charset="0"/>
         <a:buChar char="•"/>
-        <a:defRPr sz="2000" kern="1200">
+        <a:defRPr sz="1700" kern="1200">
           <a:solidFill>
             <a:schemeClr val="tx1"/>
           </a:solidFill>
@@ -2879,12 +3318,21 @@
         </a:defRPr>
       </a:lvl6pPr>
       <a:lvl7pPr marL="2971800" indent="-228600" algn="l" defTabSz="914400" rtl="0" eaLnBrk="1" latinLnBrk="0" hangingPunct="1">
+        <a:lnSpc>
+          <a:spcPct val="100000"/>
+        </a:lnSpc>
         <a:spcBef>
           <a:spcPct val="20000"/>
         </a:spcBef>
+        <a:spcAft>
+          <a:spcPts val="600"/>
+        </a:spcAft>
+        <a:buClr>
+          <a:schemeClr val="tx2"/>
+        </a:buClr>
         <a:buFont typeface="Arial" pitchFamily="34" charset="0"/>
         <a:buChar char="•"/>
-        <a:defRPr sz="2000" kern="1200">
+        <a:defRPr sz="1700" kern="1200">
           <a:solidFill>
             <a:schemeClr val="tx1"/>
           </a:solidFill>
@@ -2894,12 +3342,21 @@
         </a:defRPr>
       </a:lvl7pPr>
       <a:lvl8pPr marL="3429000" indent="-228600" algn="l" defTabSz="914400" rtl="0" eaLnBrk="1" latinLnBrk="0" hangingPunct="1">
+        <a:lnSpc>
+          <a:spcPct val="100000"/>
+        </a:lnSpc>
         <a:spcBef>
           <a:spcPct val="20000"/>
         </a:spcBef>
+        <a:spcAft>
+          <a:spcPts val="600"/>
+        </a:spcAft>
+        <a:buClr>
+          <a:schemeClr val="tx2"/>
+        </a:buClr>
         <a:buFont typeface="Arial" pitchFamily="34" charset="0"/>
         <a:buChar char="•"/>
-        <a:defRPr sz="2000" kern="1200">
+        <a:defRPr sz="1700" kern="1200">
           <a:solidFill>
             <a:schemeClr val="tx1"/>
           </a:solidFill>
@@ -2909,12 +3366,21 @@
         </a:defRPr>
       </a:lvl8pPr>
       <a:lvl9pPr marL="3886200" indent="-228600" algn="l" defTabSz="914400" rtl="0" eaLnBrk="1" latinLnBrk="0" hangingPunct="1">
+        <a:lnSpc>
+          <a:spcPct val="100000"/>
+        </a:lnSpc>
         <a:spcBef>
           <a:spcPct val="20000"/>
         </a:spcBef>
+        <a:spcAft>
+          <a:spcPts val="600"/>
+        </a:spcAft>
+        <a:buClr>
+          <a:schemeClr val="tx2"/>
+        </a:buClr>
         <a:buFont typeface="Arial" pitchFamily="34" charset="0"/>
         <a:buChar char="•"/>
-        <a:defRPr sz="2000" kern="1200">
+        <a:defRPr sz="1700" kern="1200">
           <a:solidFill>
             <a:schemeClr val="tx1"/>
           </a:solidFill>
@@ -2926,7 +3392,7 @@
     </p:bodyStyle>
     <p:otherStyle>
       <a:defPPr>
-        <a:defRPr lang="ru-RU"/>
+        <a:defRPr lang="en-US"/>
       </a:defPPr>
       <a:lvl1pPr marL="0" algn="l" defTabSz="914400" rtl="0" eaLnBrk="1" latinLnBrk="0" hangingPunct="1">
         <a:defRPr sz="1800" kern="1200">
@@ -3042,29 +3508,6 @@
       </p:grpSpPr>
       <p:sp>
         <p:nvSpPr>
-          <p:cNvPr id="2" name="Заголовок 1"/>
-          <p:cNvSpPr>
-            <a:spLocks noGrp="1"/>
-          </p:cNvSpPr>
-          <p:nvPr>
-            <p:ph type="ctrTitle"/>
-          </p:nvPr>
-        </p:nvSpPr>
-        <p:spPr/>
-        <p:txBody>
-          <a:bodyPr/>
-          <a:lstStyle/>
-          <a:p>
-            <a:r>
-              <a:rPr lang="en-US" dirty="0" smtClean="0"/>
-              <a:t>Dota2-helper</a:t>
-            </a:r>
-            <a:endParaRPr lang="ru-RU" dirty="0"/>
-          </a:p>
-        </p:txBody>
-      </p:sp>
-      <p:sp>
-        <p:nvSpPr>
           <p:cNvPr id="3" name="Подзаголовок 2"/>
           <p:cNvSpPr>
             <a:spLocks noGrp="1"/>
@@ -3075,38 +3518,228 @@
         </p:nvSpPr>
         <p:spPr>
           <a:xfrm>
-            <a:off x="1331640" y="3573016"/>
-            <a:ext cx="6400800" cy="1752600"/>
+            <a:off x="0" y="4509120"/>
+            <a:ext cx="5068144" cy="1296144"/>
           </a:xfrm>
         </p:spPr>
         <p:txBody>
+          <a:bodyPr>
+            <a:normAutofit/>
+          </a:bodyPr>
+          <a:lstStyle/>
+          <a:p>
+            <a:pPr lvl="0"/>
+            <a:r>
+              <a:rPr lang="ru-RU" sz="2400" dirty="0" smtClean="0">
+                <a:solidFill>
+                  <a:schemeClr val="tx2">
+                    <a:lumMod val="75000"/>
+                  </a:schemeClr>
+                </a:solidFill>
+              </a:rPr>
+              <a:t>1)</a:t>
+            </a:r>
+            <a:r>
+              <a:rPr lang="ru-RU" sz="2400" dirty="0" err="1" smtClean="0">
+                <a:solidFill>
+                  <a:schemeClr val="tx2">
+                    <a:lumMod val="75000"/>
+                  </a:schemeClr>
+                </a:solidFill>
+              </a:rPr>
+              <a:t>Нуштайкин</a:t>
+            </a:r>
+            <a:r>
+              <a:rPr lang="ru-RU" sz="2400" dirty="0" smtClean="0">
+                <a:solidFill>
+                  <a:schemeClr val="tx2">
+                    <a:lumMod val="75000"/>
+                  </a:schemeClr>
+                </a:solidFill>
+              </a:rPr>
+              <a:t> Максим</a:t>
+            </a:r>
+            <a:r>
+              <a:rPr lang="en-US" sz="2400" dirty="0" smtClean="0">
+                <a:solidFill>
+                  <a:schemeClr val="tx2">
+                    <a:lumMod val="75000"/>
+                  </a:schemeClr>
+                </a:solidFill>
+              </a:rPr>
+              <a:t> </a:t>
+            </a:r>
+            <a:r>
+              <a:rPr lang="ru-RU" sz="2400" dirty="0" smtClean="0">
+                <a:solidFill>
+                  <a:schemeClr val="tx2">
+                    <a:lumMod val="75000"/>
+                  </a:schemeClr>
+                </a:solidFill>
+              </a:rPr>
+              <a:t>Алексеевич</a:t>
+            </a:r>
+            <a:endParaRPr lang="ru-RU" sz="2400" dirty="0">
+              <a:solidFill>
+                <a:schemeClr val="tx2">
+                  <a:lumMod val="75000"/>
+                </a:schemeClr>
+              </a:solidFill>
+            </a:endParaRPr>
+          </a:p>
+          <a:p>
+            <a:r>
+              <a:rPr lang="ru-RU" sz="2400" dirty="0" smtClean="0">
+                <a:solidFill>
+                  <a:schemeClr val="tx2">
+                    <a:lumMod val="75000"/>
+                  </a:schemeClr>
+                </a:solidFill>
+              </a:rPr>
+              <a:t>2)</a:t>
+            </a:r>
+            <a:r>
+              <a:rPr lang="ru-RU" sz="2400" dirty="0" err="1" smtClean="0">
+                <a:solidFill>
+                  <a:schemeClr val="tx2">
+                    <a:lumMod val="75000"/>
+                  </a:schemeClr>
+                </a:solidFill>
+              </a:rPr>
+              <a:t>Пионтик</a:t>
+            </a:r>
+            <a:r>
+              <a:rPr lang="ru-RU" sz="2400" dirty="0" smtClean="0">
+                <a:solidFill>
+                  <a:schemeClr val="tx2">
+                    <a:lumMod val="75000"/>
+                  </a:schemeClr>
+                </a:solidFill>
+              </a:rPr>
+              <a:t> Михаил Иванович</a:t>
+            </a:r>
+          </a:p>
+        </p:txBody>
+      </p:sp>
+      <p:sp>
+        <p:nvSpPr>
+          <p:cNvPr id="2" name="Заголовок 1"/>
+          <p:cNvSpPr>
+            <a:spLocks noGrp="1"/>
+          </p:cNvSpPr>
+          <p:nvPr>
+            <p:ph type="ctrTitle"/>
+          </p:nvPr>
+        </p:nvSpPr>
+        <p:spPr>
+          <a:xfrm>
+            <a:off x="467544" y="1556792"/>
+            <a:ext cx="7772400" cy="1975104"/>
+          </a:xfrm>
+        </p:spPr>
+        <p:txBody>
           <a:bodyPr/>
           <a:lstStyle/>
           <a:p>
-            <a:pPr lvl="0"/>
-            <a:r>
-              <a:rPr lang="ru-RU" dirty="0"/>
-              <a:t>1)Максим </a:t>
-            </a:r>
-            <a:r>
-              <a:rPr lang="ru-RU" dirty="0" err="1"/>
-              <a:t>Нуштайкин</a:t>
-            </a:r>
-            <a:endParaRPr lang="ru-RU" dirty="0"/>
-          </a:p>
-          <a:p>
-            <a:r>
-              <a:rPr lang="ru-RU" dirty="0" smtClean="0"/>
-              <a:t>2)</a:t>
-            </a:r>
-            <a:r>
-              <a:rPr lang="ru-RU" dirty="0" err="1" smtClean="0"/>
-              <a:t>Пионтик</a:t>
-            </a:r>
-            <a:r>
-              <a:rPr lang="ru-RU" dirty="0" smtClean="0"/>
-              <a:t> Михаил</a:t>
-            </a:r>
+            <a:r>
+              <a:rPr lang="en-US" dirty="0" smtClean="0">
+                <a:solidFill>
+                  <a:schemeClr val="tx2">
+                    <a:lumMod val="75000"/>
+                  </a:schemeClr>
+                </a:solidFill>
+              </a:rPr>
+              <a:t>Dota2-helper</a:t>
+            </a:r>
+            <a:endParaRPr lang="ru-RU" dirty="0">
+              <a:solidFill>
+                <a:schemeClr val="tx2">
+                  <a:lumMod val="75000"/>
+                </a:schemeClr>
+              </a:solidFill>
+            </a:endParaRPr>
+          </a:p>
+        </p:txBody>
+      </p:sp>
+      <p:sp>
+        <p:nvSpPr>
+          <p:cNvPr id="4" name="TextBox 3"/>
+          <p:cNvSpPr txBox="1"/>
+          <p:nvPr/>
+        </p:nvSpPr>
+        <p:spPr>
+          <a:xfrm>
+            <a:off x="216826" y="6093296"/>
+            <a:ext cx="6638356" cy="461665"/>
+          </a:xfrm>
+          <a:prstGeom prst="rect">
+            <a:avLst/>
+          </a:prstGeom>
+          <a:noFill/>
+        </p:spPr>
+        <p:txBody>
+          <a:bodyPr wrap="none" rtlCol="0">
+            <a:spAutoFit/>
+          </a:bodyPr>
+          <a:lstStyle/>
+          <a:p>
+            <a:r>
+              <a:rPr lang="ru-RU" sz="2400" dirty="0" smtClean="0">
+                <a:solidFill>
+                  <a:schemeClr val="tx2">
+                    <a:lumMod val="75000"/>
+                  </a:schemeClr>
+                </a:solidFill>
+              </a:rPr>
+              <a:t>Руководитель проекта</a:t>
+            </a:r>
+            <a:r>
+              <a:rPr lang="en-US" sz="2400" dirty="0" smtClean="0">
+                <a:solidFill>
+                  <a:schemeClr val="tx2">
+                    <a:lumMod val="75000"/>
+                  </a:schemeClr>
+                </a:solidFill>
+              </a:rPr>
+              <a:t>:</a:t>
+            </a:r>
+            <a:r>
+              <a:rPr lang="ru-RU" sz="2400" dirty="0" smtClean="0">
+                <a:solidFill>
+                  <a:schemeClr val="tx2">
+                    <a:lumMod val="75000"/>
+                  </a:schemeClr>
+                </a:solidFill>
+              </a:rPr>
+              <a:t> </a:t>
+            </a:r>
+            <a:r>
+              <a:rPr lang="ru-RU" sz="2400" dirty="0" err="1" smtClean="0">
+                <a:solidFill>
+                  <a:schemeClr val="tx2">
+                    <a:lumMod val="75000"/>
+                  </a:schemeClr>
+                </a:solidFill>
+              </a:rPr>
+              <a:t>Галинова</a:t>
+            </a:r>
+            <a:r>
+              <a:rPr lang="ru-RU" sz="2400" dirty="0" smtClean="0">
+                <a:solidFill>
+                  <a:schemeClr val="tx2">
+                    <a:lumMod val="75000"/>
+                  </a:schemeClr>
+                </a:solidFill>
+              </a:rPr>
+              <a:t> Анна Александровна</a:t>
+            </a:r>
+            <a:endParaRPr lang="ru-RU" sz="2400" dirty="0">
+              <a:solidFill>
+                <a:schemeClr val="tx2">
+                  <a:lumMod val="75000"/>
+                </a:schemeClr>
+              </a:solidFill>
+            </a:endParaRPr>
           </a:p>
         </p:txBody>
       </p:sp>
@@ -3120,6 +3753,13 @@
   <p:clrMapOvr>
     <a:masterClrMapping/>
   </p:clrMapOvr>
+  <p:timing>
+    <p:tnLst>
+      <p:par>
+        <p:cTn id="1" dur="indefinite" restart="never" nodeType="tmRoot"/>
+      </p:par>
+    </p:tnLst>
+  </p:timing>
 </p:sld>
 </file>
 
@@ -3149,7 +3789,7 @@
         <p:spPr>
           <a:xfrm>
             <a:off x="179512" y="116632"/>
-            <a:ext cx="8532440" cy="4924425"/>
+            <a:ext cx="8532440" cy="3385542"/>
           </a:xfrm>
           <a:prstGeom prst="rect">
             <a:avLst/>
@@ -3164,39 +3804,93 @@
           <a:p>
             <a:pPr algn="ctr"/>
             <a:r>
-              <a:rPr lang="ru-RU" sz="4400" dirty="0" smtClean="0"/>
+              <a:rPr lang="ru-RU" sz="3200" dirty="0" smtClean="0">
+                <a:solidFill>
+                  <a:schemeClr val="tx2">
+                    <a:lumMod val="75000"/>
+                  </a:schemeClr>
+                </a:solidFill>
+              </a:rPr>
               <a:t>Описание</a:t>
             </a:r>
             <a:r>
-              <a:rPr lang="en-US" sz="3600" dirty="0"/>
+              <a:rPr lang="en-US" sz="3600" dirty="0">
+                <a:solidFill>
+                  <a:schemeClr val="tx2">
+                    <a:lumMod val="75000"/>
+                  </a:schemeClr>
+                </a:solidFill>
+              </a:rPr>
               <a:t>:</a:t>
             </a:r>
-            <a:endParaRPr lang="ru-RU" sz="3600" dirty="0"/>
+            <a:endParaRPr lang="ru-RU" sz="3600" dirty="0">
+              <a:solidFill>
+                <a:schemeClr val="tx2">
+                  <a:lumMod val="75000"/>
+                </a:schemeClr>
+              </a:solidFill>
+            </a:endParaRPr>
           </a:p>
           <a:p>
             <a:pPr algn="ctr"/>
             <a:r>
-              <a:rPr lang="ru-RU" sz="3600" dirty="0" smtClean="0"/>
+              <a:rPr lang="ru-RU" sz="3200" dirty="0" smtClean="0">
+                <a:solidFill>
+                  <a:schemeClr val="tx2">
+                    <a:lumMod val="75000"/>
+                  </a:schemeClr>
+                </a:solidFill>
+              </a:rPr>
               <a:t>Это </a:t>
             </a:r>
             <a:r>
-              <a:rPr lang="ru-RU" sz="3600" dirty="0"/>
+              <a:rPr lang="ru-RU" sz="3200" dirty="0">
+                <a:solidFill>
+                  <a:schemeClr val="tx2">
+                    <a:lumMod val="75000"/>
+                  </a:schemeClr>
+                </a:solidFill>
+              </a:rPr>
               <a:t>бот который при введении специальных команд выводит в чат приложения </a:t>
             </a:r>
             <a:r>
-              <a:rPr lang="en-US" sz="3600" dirty="0"/>
+              <a:rPr lang="en-US" sz="3200" dirty="0">
+                <a:solidFill>
+                  <a:schemeClr val="tx2">
+                    <a:lumMod val="75000"/>
+                  </a:schemeClr>
+                </a:solidFill>
+              </a:rPr>
               <a:t>Discord</a:t>
             </a:r>
             <a:r>
-              <a:rPr lang="ru-RU" sz="3600" dirty="0"/>
+              <a:rPr lang="ru-RU" sz="3200" dirty="0">
+                <a:solidFill>
+                  <a:schemeClr val="tx2">
+                    <a:lumMod val="75000"/>
+                  </a:schemeClr>
+                </a:solidFill>
+              </a:rPr>
               <a:t> информацию и картинки по одному из персонажей компьютерной игры </a:t>
             </a:r>
             <a:r>
-              <a:rPr lang="en-US" sz="3600" dirty="0" err="1"/>
+              <a:rPr lang="en-US" sz="3200" dirty="0" err="1">
+                <a:solidFill>
+                  <a:schemeClr val="tx2">
+                    <a:lumMod val="75000"/>
+                  </a:schemeClr>
+                </a:solidFill>
+              </a:rPr>
               <a:t>Dota</a:t>
             </a:r>
             <a:r>
-              <a:rPr lang="ru-RU" sz="3600" dirty="0"/>
+              <a:rPr lang="ru-RU" sz="3200" dirty="0">
+                <a:solidFill>
+                  <a:schemeClr val="tx2">
+                    <a:lumMod val="75000"/>
+                  </a:schemeClr>
+                </a:solidFill>
+              </a:rPr>
               <a:t>2. Благодаря этому боту можно быстро и удобно узнать информацию о нужных героев.</a:t>
             </a:r>
           </a:p>
@@ -3215,6 +3909,13 @@
   <p:clrMapOvr>
     <a:masterClrMapping/>
   </p:clrMapOvr>
+  <p:timing>
+    <p:tnLst>
+      <p:par>
+        <p:cTn id="1" dur="indefinite" restart="never" nodeType="tmRoot"/>
+      </p:par>
+    </p:tnLst>
+  </p:timing>
 </p:sld>
 </file>
 
@@ -3243,8 +3944,8 @@
         </p:nvSpPr>
         <p:spPr>
           <a:xfrm>
-            <a:off x="1547664" y="260648"/>
-            <a:ext cx="6480720" cy="769441"/>
+            <a:off x="107504" y="338753"/>
+            <a:ext cx="9036496" cy="3108543"/>
           </a:xfrm>
           <a:prstGeom prst="rect">
             <a:avLst/>
@@ -3258,23 +3959,126 @@
           <a:lstStyle/>
           <a:p>
             <a:r>
-              <a:rPr lang="ru-RU" sz="4400" dirty="0" smtClean="0"/>
-              <a:t>Диаграмма прецедентов</a:t>
-            </a:r>
-            <a:endParaRPr lang="ru-RU" sz="4400" dirty="0"/>
-          </a:p>
-        </p:txBody>
-      </p:sp>
-      <p:sp>
-        <p:nvSpPr>
-          <p:cNvPr id="3" name="TextBox 2"/>
+              <a:rPr lang="ru-RU" sz="3600" dirty="0" smtClean="0">
+                <a:solidFill>
+                  <a:schemeClr val="tx2">
+                    <a:lumMod val="75000"/>
+                  </a:schemeClr>
+                </a:solidFill>
+              </a:rPr>
+              <a:t>Задачи</a:t>
+            </a:r>
+            <a:r>
+              <a:rPr lang="en-US" sz="3600" dirty="0" smtClean="0">
+                <a:solidFill>
+                  <a:schemeClr val="tx2">
+                    <a:lumMod val="75000"/>
+                  </a:schemeClr>
+                </a:solidFill>
+              </a:rPr>
+              <a:t>:</a:t>
+            </a:r>
+          </a:p>
+          <a:p>
+            <a:pPr marL="742950" indent="-742950">
+              <a:buAutoNum type="arabicParenR"/>
+            </a:pPr>
+            <a:r>
+              <a:rPr lang="ru-RU" sz="3200" dirty="0" smtClean="0">
+                <a:solidFill>
+                  <a:schemeClr val="tx2">
+                    <a:lumMod val="75000"/>
+                  </a:schemeClr>
+                </a:solidFill>
+              </a:rPr>
+              <a:t>Создать бота который сможет отвечать на команды пользователей.</a:t>
+            </a:r>
+          </a:p>
+          <a:p>
+            <a:pPr marL="742950" indent="-742950">
+              <a:buAutoNum type="arabicParenR"/>
+            </a:pPr>
+            <a:r>
+              <a:rPr lang="ru-RU" sz="3200" dirty="0" smtClean="0">
+                <a:solidFill>
+                  <a:schemeClr val="tx2">
+                    <a:lumMod val="75000"/>
+                  </a:schemeClr>
+                </a:solidFill>
+              </a:rPr>
+              <a:t>Использовать базу данных для функций бота.</a:t>
+            </a:r>
+          </a:p>
+          <a:p>
+            <a:pPr marL="742950" indent="-742950">
+              <a:buAutoNum type="arabicParenR"/>
+            </a:pPr>
+            <a:r>
+              <a:rPr lang="ru-RU" sz="3200" dirty="0" smtClean="0">
+                <a:solidFill>
+                  <a:schemeClr val="tx2">
+                    <a:lumMod val="75000"/>
+                  </a:schemeClr>
+                </a:solidFill>
+              </a:rPr>
+              <a:t>Работа с данными  от пользователя.</a:t>
+            </a:r>
+          </a:p>
+          <a:p>
+            <a:pPr marL="742950" indent="-742950">
+              <a:buAutoNum type="arabicParenR"/>
+            </a:pPr>
+            <a:endParaRPr lang="ru-RU" sz="3200" dirty="0" smtClean="0"/>
+          </a:p>
+        </p:txBody>
+      </p:sp>
+    </p:spTree>
+    <p:extLst>
+      <p:ext uri="{BB962C8B-B14F-4D97-AF65-F5344CB8AC3E}">
+        <p14:creationId xmlns:p14="http://schemas.microsoft.com/office/powerpoint/2010/main" val="1395879213"/>
+      </p:ext>
+    </p:extLst>
+  </p:cSld>
+  <p:clrMapOvr>
+    <a:masterClrMapping/>
+  </p:clrMapOvr>
+  <p:timing>
+    <p:tnLst>
+      <p:par>
+        <p:cTn id="1" dur="indefinite" restart="never" nodeType="tmRoot"/>
+      </p:par>
+    </p:tnLst>
+  </p:timing>
+</p:sld>
+</file>
+
+<file path=ppt/slides/slide4.xml><?xml version="1.0" encoding="utf-8"?>
+<p:sld xmlns:a="http://schemas.openxmlformats.org/drawingml/2006/main" xmlns:r="http://schemas.openxmlformats.org/officeDocument/2006/relationships" xmlns:p="http://schemas.openxmlformats.org/presentationml/2006/main">
+  <p:cSld>
+    <p:spTree>
+      <p:nvGrpSpPr>
+        <p:cNvPr id="1" name=""/>
+        <p:cNvGrpSpPr/>
+        <p:nvPr/>
+      </p:nvGrpSpPr>
+      <p:grpSpPr>
+        <a:xfrm>
+          <a:off x="0" y="0"/>
+          <a:ext cx="0" cy="0"/>
+          <a:chOff x="0" y="0"/>
+          <a:chExt cx="0" cy="0"/>
+        </a:xfrm>
+      </p:grpSpPr>
+      <p:sp>
+        <p:nvSpPr>
+          <p:cNvPr id="2" name="TextBox 1"/>
           <p:cNvSpPr txBox="1"/>
           <p:nvPr/>
         </p:nvSpPr>
         <p:spPr>
           <a:xfrm>
-            <a:off x="1547664" y="1412776"/>
-            <a:ext cx="2380011" cy="523220"/>
+            <a:off x="1907704" y="288383"/>
+            <a:ext cx="6480720" cy="584775"/>
           </a:xfrm>
           <a:prstGeom prst="rect">
             <a:avLst/>
@@ -3282,20 +4086,90 @@
           <a:noFill/>
         </p:spPr>
         <p:txBody>
+          <a:bodyPr wrap="square" rtlCol="0">
+            <a:spAutoFit/>
+          </a:bodyPr>
+          <a:lstStyle/>
+          <a:p>
+            <a:r>
+              <a:rPr lang="ru-RU" sz="3200" dirty="0" smtClean="0">
+                <a:solidFill>
+                  <a:schemeClr val="tx2">
+                    <a:lumMod val="75000"/>
+                  </a:schemeClr>
+                </a:solidFill>
+              </a:rPr>
+              <a:t>Диаграмма прецедентов</a:t>
+            </a:r>
+            <a:r>
+              <a:rPr lang="en-US" sz="3200" dirty="0" smtClean="0">
+                <a:solidFill>
+                  <a:schemeClr val="tx2">
+                    <a:lumMod val="75000"/>
+                  </a:schemeClr>
+                </a:solidFill>
+              </a:rPr>
+              <a:t>:</a:t>
+            </a:r>
+            <a:endParaRPr lang="ru-RU" sz="3200" dirty="0">
+              <a:solidFill>
+                <a:schemeClr val="tx2">
+                  <a:lumMod val="75000"/>
+                </a:schemeClr>
+              </a:solidFill>
+            </a:endParaRPr>
+          </a:p>
+        </p:txBody>
+      </p:sp>
+      <p:sp>
+        <p:nvSpPr>
+          <p:cNvPr id="3" name="TextBox 2"/>
+          <p:cNvSpPr txBox="1"/>
+          <p:nvPr/>
+        </p:nvSpPr>
+        <p:spPr>
+          <a:xfrm>
+            <a:off x="1547664" y="1412776"/>
+            <a:ext cx="2499402" cy="584775"/>
+          </a:xfrm>
+          <a:prstGeom prst="rect">
+            <a:avLst/>
+          </a:prstGeom>
+          <a:noFill/>
+        </p:spPr>
+        <p:txBody>
           <a:bodyPr wrap="none" rtlCol="0">
             <a:spAutoFit/>
           </a:bodyPr>
           <a:lstStyle/>
           <a:p>
             <a:r>
-              <a:rPr lang="ru-RU" sz="2800" dirty="0" smtClean="0"/>
+              <a:rPr lang="ru-RU" sz="3200" dirty="0" smtClean="0">
+                <a:solidFill>
+                  <a:schemeClr val="tx2">
+                    <a:lumMod val="75000"/>
+                  </a:schemeClr>
+                </a:solidFill>
+              </a:rPr>
               <a:t>Пользователь</a:t>
             </a:r>
             <a:r>
-              <a:rPr lang="en-US" sz="2800" dirty="0" smtClean="0"/>
+              <a:rPr lang="en-US" sz="3200" dirty="0" smtClean="0">
+                <a:solidFill>
+                  <a:schemeClr val="tx2">
+                    <a:lumMod val="75000"/>
+                  </a:schemeClr>
+                </a:solidFill>
+              </a:rPr>
               <a:t>:</a:t>
             </a:r>
-            <a:endParaRPr lang="ru-RU" sz="2800" dirty="0"/>
+            <a:endParaRPr lang="ru-RU" sz="3200" dirty="0">
+              <a:solidFill>
+                <a:schemeClr val="tx2">
+                  <a:lumMod val="75000"/>
+                </a:schemeClr>
+              </a:solidFill>
+            </a:endParaRPr>
           </a:p>
         </p:txBody>
       </p:sp>
@@ -3388,7 +4262,7 @@
         <p:spPr>
           <a:xfrm>
             <a:off x="1677828" y="2129069"/>
-            <a:ext cx="4499693" cy="523220"/>
+            <a:ext cx="4567276" cy="584775"/>
           </a:xfrm>
           <a:prstGeom prst="rect">
             <a:avLst/>
@@ -3402,10 +4276,22 @@
           <a:lstStyle/>
           <a:p>
             <a:r>
-              <a:rPr lang="ru-RU" sz="2800" dirty="0" smtClean="0"/>
+              <a:rPr lang="ru-RU" sz="3200" dirty="0" smtClean="0">
+                <a:solidFill>
+                  <a:schemeClr val="tx2">
+                    <a:lumMod val="75000"/>
+                  </a:schemeClr>
+                </a:solidFill>
+              </a:rPr>
               <a:t>Пишет какую либо команду </a:t>
             </a:r>
-            <a:endParaRPr lang="ru-RU" sz="2800" dirty="0"/>
+            <a:endParaRPr lang="ru-RU" sz="3200" dirty="0">
+              <a:solidFill>
+                <a:schemeClr val="tx2">
+                  <a:lumMod val="75000"/>
+                </a:schemeClr>
+              </a:solidFill>
+            </a:endParaRPr>
           </a:p>
         </p:txBody>
       </p:sp>
@@ -3473,7 +4359,7 @@
         <p:spPr>
           <a:xfrm>
             <a:off x="5257544" y="2860617"/>
-            <a:ext cx="2704010" cy="523220"/>
+            <a:ext cx="2789546" cy="584775"/>
           </a:xfrm>
           <a:prstGeom prst="rect">
             <a:avLst/>
@@ -3487,18 +4373,32 @@
           <a:lstStyle/>
           <a:p>
             <a:r>
-              <a:rPr lang="ru-RU" sz="2800" dirty="0" smtClean="0"/>
-              <a:t>Бот</a:t>
-            </a:r>
-            <a:r>
-              <a:rPr lang="ru-RU" sz="2400" dirty="0" smtClean="0"/>
-              <a:t> </a:t>
-            </a:r>
-            <a:r>
-              <a:rPr lang="en-US" sz="2800" dirty="0" smtClean="0"/>
+              <a:rPr lang="ru-RU" sz="3200" dirty="0" smtClean="0">
+                <a:solidFill>
+                  <a:schemeClr val="tx2">
+                    <a:lumMod val="75000"/>
+                  </a:schemeClr>
+                </a:solidFill>
+              </a:rPr>
+              <a:t>Бот </a:t>
+            </a:r>
+            <a:r>
+              <a:rPr lang="en-US" sz="3200" dirty="0" smtClean="0">
+                <a:solidFill>
+                  <a:schemeClr val="tx2">
+                    <a:lumMod val="75000"/>
+                  </a:schemeClr>
+                </a:solidFill>
+              </a:rPr>
               <a:t>Dota2-helper</a:t>
             </a:r>
-            <a:endParaRPr lang="ru-RU" sz="2800" dirty="0"/>
+            <a:endParaRPr lang="ru-RU" sz="3200" dirty="0">
+              <a:solidFill>
+                <a:schemeClr val="tx2">
+                  <a:lumMod val="75000"/>
+                </a:schemeClr>
+              </a:solidFill>
+            </a:endParaRPr>
           </a:p>
         </p:txBody>
       </p:sp>
@@ -3566,7 +4466,7 @@
         <p:spPr>
           <a:xfrm>
             <a:off x="1115616" y="3627182"/>
-            <a:ext cx="6607706" cy="523220"/>
+            <a:ext cx="6708888" cy="584775"/>
           </a:xfrm>
           <a:prstGeom prst="rect">
             <a:avLst/>
@@ -3580,10 +4480,22 @@
           <a:lstStyle/>
           <a:p>
             <a:r>
-              <a:rPr lang="ru-RU" sz="2800" dirty="0" smtClean="0"/>
+              <a:rPr lang="ru-RU" sz="3200" dirty="0" smtClean="0">
+                <a:solidFill>
+                  <a:schemeClr val="tx2">
+                    <a:lumMod val="75000"/>
+                  </a:schemeClr>
+                </a:solidFill>
+              </a:rPr>
               <a:t>Выдаёт нужную информацию по команде</a:t>
             </a:r>
-            <a:endParaRPr lang="ru-RU" sz="2800" dirty="0"/>
+            <a:endParaRPr lang="ru-RU" sz="3200" dirty="0">
+              <a:solidFill>
+                <a:schemeClr val="tx2">
+                  <a:lumMod val="75000"/>
+                </a:schemeClr>
+              </a:solidFill>
+            </a:endParaRPr>
           </a:p>
         </p:txBody>
       </p:sp>
@@ -3597,134 +4509,13 @@
   <p:clrMapOvr>
     <a:masterClrMapping/>
   </p:clrMapOvr>
-</p:sld>
-</file>
-
-<file path=ppt/slides/slide4.xml><?xml version="1.0" encoding="utf-8"?>
-<p:sld xmlns:a="http://schemas.openxmlformats.org/drawingml/2006/main" xmlns:r="http://schemas.openxmlformats.org/officeDocument/2006/relationships" xmlns:p="http://schemas.openxmlformats.org/presentationml/2006/main">
-  <p:cSld>
-    <p:spTree>
-      <p:nvGrpSpPr>
-        <p:cNvPr id="1" name=""/>
-        <p:cNvGrpSpPr/>
-        <p:nvPr/>
-      </p:nvGrpSpPr>
-      <p:grpSpPr>
-        <a:xfrm>
-          <a:off x="0" y="0"/>
-          <a:ext cx="0" cy="0"/>
-          <a:chOff x="0" y="0"/>
-          <a:chExt cx="0" cy="0"/>
-        </a:xfrm>
-      </p:grpSpPr>
-      <p:sp>
-        <p:nvSpPr>
-          <p:cNvPr id="2" name="TextBox 1"/>
-          <p:cNvSpPr txBox="1"/>
-          <p:nvPr/>
-        </p:nvSpPr>
-        <p:spPr>
-          <a:xfrm>
-            <a:off x="213606" y="116632"/>
-            <a:ext cx="3062249" cy="769441"/>
-          </a:xfrm>
-          <a:prstGeom prst="rect">
-            <a:avLst/>
-          </a:prstGeom>
-          <a:noFill/>
-        </p:spPr>
-        <p:txBody>
-          <a:bodyPr wrap="none" rtlCol="0">
-            <a:spAutoFit/>
-          </a:bodyPr>
-          <a:lstStyle/>
-          <a:p>
-            <a:r>
-              <a:rPr lang="ru-RU" sz="4400" dirty="0" smtClean="0"/>
-              <a:t>Технологии</a:t>
-            </a:r>
-            <a:r>
-              <a:rPr lang="en-US" sz="4400" dirty="0" smtClean="0"/>
-              <a:t>:</a:t>
-            </a:r>
-            <a:endParaRPr lang="ru-RU" sz="4400" dirty="0"/>
-          </a:p>
-        </p:txBody>
-      </p:sp>
-      <p:sp>
-        <p:nvSpPr>
-          <p:cNvPr id="3" name="TextBox 2"/>
-          <p:cNvSpPr txBox="1"/>
-          <p:nvPr/>
-        </p:nvSpPr>
-        <p:spPr>
-          <a:xfrm>
-            <a:off x="1115616" y="1466412"/>
-            <a:ext cx="1495666" cy="461665"/>
-          </a:xfrm>
-          <a:prstGeom prst="rect">
-            <a:avLst/>
-          </a:prstGeom>
-          <a:noFill/>
-        </p:spPr>
-        <p:txBody>
-          <a:bodyPr wrap="none" rtlCol="0">
-            <a:spAutoFit/>
-          </a:bodyPr>
-          <a:lstStyle/>
-          <a:p>
-            <a:r>
-              <a:rPr lang="en-US" sz="2400" dirty="0" smtClean="0"/>
-              <a:t>Discord.py</a:t>
-            </a:r>
-            <a:endParaRPr lang="ru-RU" sz="2400" dirty="0"/>
-          </a:p>
-        </p:txBody>
-      </p:sp>
-      <p:sp>
-        <p:nvSpPr>
-          <p:cNvPr id="4" name="TextBox 3"/>
-          <p:cNvSpPr txBox="1"/>
-          <p:nvPr/>
-        </p:nvSpPr>
-        <p:spPr>
-          <a:xfrm>
-            <a:off x="355099" y="889746"/>
-            <a:ext cx="2779261" cy="584775"/>
-          </a:xfrm>
-          <a:prstGeom prst="rect">
-            <a:avLst/>
-          </a:prstGeom>
-          <a:noFill/>
-        </p:spPr>
-        <p:txBody>
-          <a:bodyPr wrap="square" rtlCol="0">
-            <a:spAutoFit/>
-          </a:bodyPr>
-          <a:lstStyle/>
-          <a:p>
-            <a:r>
-              <a:rPr lang="ru-RU" sz="3200" dirty="0" smtClean="0"/>
-              <a:t>Библиотеки</a:t>
-            </a:r>
-            <a:r>
-              <a:rPr lang="en-US" sz="2400" dirty="0" smtClean="0"/>
-              <a:t>:</a:t>
-            </a:r>
-            <a:endParaRPr lang="ru-RU" sz="2400" dirty="0"/>
-          </a:p>
-        </p:txBody>
-      </p:sp>
-    </p:spTree>
-    <p:extLst>
-      <p:ext uri="{BB962C8B-B14F-4D97-AF65-F5344CB8AC3E}">
-        <p14:creationId xmlns:p14="http://schemas.microsoft.com/office/powerpoint/2010/main" val="3235232756"/>
-      </p:ext>
-    </p:extLst>
-  </p:cSld>
-  <p:clrMapOvr>
-    <a:masterClrMapping/>
-  </p:clrMapOvr>
+  <p:timing>
+    <p:tnLst>
+      <p:par>
+        <p:cTn id="1" dur="indefinite" restart="never" nodeType="tmRoot"/>
+      </p:par>
+    </p:tnLst>
+  </p:timing>
 </p:sld>
 </file>
 
@@ -3753,8 +4544,8 @@
         </p:nvSpPr>
         <p:spPr>
           <a:xfrm>
-            <a:off x="1835696" y="260648"/>
-            <a:ext cx="5184576" cy="769441"/>
+            <a:off x="3213294" y="138373"/>
+            <a:ext cx="2093843" cy="584775"/>
           </a:xfrm>
           <a:prstGeom prst="rect">
             <a:avLst/>
@@ -3762,33 +4553,165 @@
           <a:noFill/>
         </p:spPr>
         <p:txBody>
+          <a:bodyPr wrap="none" rtlCol="0">
+            <a:spAutoFit/>
+          </a:bodyPr>
+          <a:lstStyle/>
+          <a:p>
+            <a:r>
+              <a:rPr lang="ru-RU" sz="3200" dirty="0" smtClean="0">
+                <a:solidFill>
+                  <a:schemeClr val="tx2">
+                    <a:lumMod val="75000"/>
+                  </a:schemeClr>
+                </a:solidFill>
+              </a:rPr>
+              <a:t>Технологии</a:t>
+            </a:r>
+            <a:r>
+              <a:rPr lang="en-US" sz="3200" dirty="0" smtClean="0">
+                <a:solidFill>
+                  <a:schemeClr val="tx2">
+                    <a:lumMod val="75000"/>
+                  </a:schemeClr>
+                </a:solidFill>
+              </a:rPr>
+              <a:t>:</a:t>
+            </a:r>
+            <a:endParaRPr lang="ru-RU" sz="3200" dirty="0">
+              <a:solidFill>
+                <a:schemeClr val="tx2">
+                  <a:lumMod val="75000"/>
+                </a:schemeClr>
+              </a:solidFill>
+            </a:endParaRPr>
+          </a:p>
+        </p:txBody>
+      </p:sp>
+      <p:sp>
+        <p:nvSpPr>
+          <p:cNvPr id="3" name="TextBox 2"/>
+          <p:cNvSpPr txBox="1"/>
+          <p:nvPr/>
+        </p:nvSpPr>
+        <p:spPr>
+          <a:xfrm>
+            <a:off x="2483768" y="898294"/>
+            <a:ext cx="5608651" cy="584775"/>
+          </a:xfrm>
+          <a:prstGeom prst="rect">
+            <a:avLst/>
+          </a:prstGeom>
+          <a:noFill/>
+        </p:spPr>
+        <p:txBody>
+          <a:bodyPr wrap="none" rtlCol="0">
+            <a:spAutoFit/>
+          </a:bodyPr>
+          <a:lstStyle/>
+          <a:p>
+            <a:r>
+              <a:rPr lang="en-US" sz="3200" dirty="0" smtClean="0">
+                <a:solidFill>
+                  <a:schemeClr val="tx2">
+                    <a:lumMod val="75000"/>
+                  </a:schemeClr>
+                </a:solidFill>
+              </a:rPr>
+              <a:t>Discord.py, sqlite3, random, </a:t>
+            </a:r>
+            <a:r>
+              <a:rPr lang="en-US" sz="3200" dirty="0">
+                <a:solidFill>
+                  <a:schemeClr val="tx2">
+                    <a:lumMod val="75000"/>
+                  </a:schemeClr>
+                </a:solidFill>
+              </a:rPr>
+              <a:t>logging</a:t>
+            </a:r>
+            <a:r>
+              <a:rPr lang="ru-RU" sz="3200" dirty="0" smtClean="0">
+                <a:solidFill>
+                  <a:schemeClr val="tx2">
+                    <a:lumMod val="75000"/>
+                  </a:schemeClr>
+                </a:solidFill>
+              </a:rPr>
+              <a:t> </a:t>
+            </a:r>
+          </a:p>
+        </p:txBody>
+      </p:sp>
+      <p:sp>
+        <p:nvSpPr>
+          <p:cNvPr id="4" name="TextBox 3"/>
+          <p:cNvSpPr txBox="1"/>
+          <p:nvPr/>
+        </p:nvSpPr>
+        <p:spPr>
+          <a:xfrm>
+            <a:off x="355099" y="889746"/>
+            <a:ext cx="2128669" cy="584775"/>
+          </a:xfrm>
+          <a:prstGeom prst="rect">
+            <a:avLst/>
+          </a:prstGeom>
+          <a:noFill/>
+        </p:spPr>
+        <p:txBody>
           <a:bodyPr wrap="square" rtlCol="0">
             <a:spAutoFit/>
           </a:bodyPr>
           <a:lstStyle/>
           <a:p>
             <a:r>
-              <a:rPr lang="ru-RU" sz="4400" dirty="0" smtClean="0"/>
-              <a:t>Диаграмма классов</a:t>
-            </a:r>
-            <a:r>
-              <a:rPr lang="en-US" sz="4400" dirty="0" smtClean="0"/>
+              <a:rPr lang="ru-RU" sz="3200" dirty="0" smtClean="0">
+                <a:solidFill>
+                  <a:schemeClr val="tx2">
+                    <a:lumMod val="75000"/>
+                  </a:schemeClr>
+                </a:solidFill>
+              </a:rPr>
+              <a:t>Библиотеки</a:t>
+            </a:r>
+            <a:r>
+              <a:rPr lang="en-US" sz="3200" dirty="0" smtClean="0">
+                <a:solidFill>
+                  <a:schemeClr val="tx2">
+                    <a:lumMod val="75000"/>
+                  </a:schemeClr>
+                </a:solidFill>
+              </a:rPr>
               <a:t>:</a:t>
             </a:r>
-            <a:endParaRPr lang="ru-RU" sz="4400" dirty="0"/>
+            <a:endParaRPr lang="ru-RU" sz="3200" dirty="0">
+              <a:solidFill>
+                <a:schemeClr val="tx2">
+                  <a:lumMod val="75000"/>
+                </a:schemeClr>
+              </a:solidFill>
+            </a:endParaRPr>
           </a:p>
         </p:txBody>
       </p:sp>
     </p:spTree>
     <p:extLst>
       <p:ext uri="{BB962C8B-B14F-4D97-AF65-F5344CB8AC3E}">
-        <p14:creationId xmlns:p14="http://schemas.microsoft.com/office/powerpoint/2010/main" val="3361713881"/>
+        <p14:creationId xmlns:p14="http://schemas.microsoft.com/office/powerpoint/2010/main" val="3235232756"/>
       </p:ext>
     </p:extLst>
   </p:cSld>
   <p:clrMapOvr>
     <a:masterClrMapping/>
   </p:clrMapOvr>
+  <p:timing>
+    <p:tnLst>
+      <p:par>
+        <p:cTn id="1" dur="indefinite" restart="never" nodeType="tmRoot"/>
+      </p:par>
+    </p:tnLst>
+  </p:timing>
 </p:sld>
 </file>
 
@@ -3817,8 +4740,8 @@
         </p:nvSpPr>
         <p:spPr>
           <a:xfrm>
-            <a:off x="611560" y="332656"/>
-            <a:ext cx="1707583" cy="769441"/>
+            <a:off x="167313" y="188640"/>
+            <a:ext cx="1172116" cy="584775"/>
           </a:xfrm>
           <a:prstGeom prst="rect">
             <a:avLst/>
@@ -3832,20 +4755,38 @@
           <a:lstStyle/>
           <a:p>
             <a:r>
-              <a:rPr lang="ru-RU" sz="4400" dirty="0" smtClean="0"/>
+              <a:rPr lang="ru-RU" sz="3200" dirty="0" smtClean="0">
+                <a:solidFill>
+                  <a:schemeClr val="tx2">
+                    <a:lumMod val="75000"/>
+                  </a:schemeClr>
+                </a:solidFill>
+              </a:rPr>
               <a:t>Итоги</a:t>
             </a:r>
             <a:r>
-              <a:rPr lang="en-US" sz="4400" dirty="0" smtClean="0"/>
+              <a:rPr lang="en-US" sz="3200" dirty="0" smtClean="0">
+                <a:solidFill>
+                  <a:schemeClr val="tx2">
+                    <a:lumMod val="75000"/>
+                  </a:schemeClr>
+                </a:solidFill>
+              </a:rPr>
               <a:t>:</a:t>
             </a:r>
-            <a:endParaRPr lang="ru-RU" sz="4400" dirty="0"/>
+            <a:endParaRPr lang="ru-RU" sz="3200" dirty="0">
+              <a:solidFill>
+                <a:schemeClr val="tx2">
+                  <a:lumMod val="75000"/>
+                </a:schemeClr>
+              </a:solidFill>
+            </a:endParaRPr>
           </a:p>
         </p:txBody>
       </p:sp>
       <p:pic>
         <p:nvPicPr>
-          <p:cNvPr id="2050" name="Picture 2"/>
+          <p:cNvPr id="2052" name="Picture 4"/>
           <p:cNvPicPr>
             <a:picLocks noChangeAspect="1" noChangeArrowheads="1"/>
           </p:cNvPicPr>
@@ -3866,8 +4807,8 @@
         </p:blipFill>
         <p:spPr bwMode="auto">
           <a:xfrm>
-            <a:off x="2283910" y="253877"/>
-            <a:ext cx="6516216" cy="3012959"/>
+            <a:off x="404864" y="908720"/>
+            <a:ext cx="2743200" cy="2762250"/>
           </a:xfrm>
           <a:prstGeom prst="rect">
             <a:avLst/>
@@ -3909,7 +4850,7 @@
       </p:pic>
       <p:pic>
         <p:nvPicPr>
-          <p:cNvPr id="2051" name="Picture 3"/>
+          <p:cNvPr id="1026" name="Picture 2"/>
           <p:cNvPicPr>
             <a:picLocks noChangeAspect="1" noChangeArrowheads="1"/>
           </p:cNvPicPr>
@@ -3930,8 +4871,8 @@
         </p:blipFill>
         <p:spPr bwMode="auto">
           <a:xfrm>
-            <a:off x="5652120" y="3501008"/>
-            <a:ext cx="3228975" cy="3114675"/>
+            <a:off x="3548817" y="908720"/>
+            <a:ext cx="4193292" cy="2762250"/>
           </a:xfrm>
           <a:prstGeom prst="rect">
             <a:avLst/>
@@ -3973,7 +4914,7 @@
       </p:pic>
       <p:pic>
         <p:nvPicPr>
-          <p:cNvPr id="2052" name="Picture 4"/>
+          <p:cNvPr id="1027" name="Picture 3"/>
           <p:cNvPicPr>
             <a:picLocks noChangeAspect="1" noChangeArrowheads="1"/>
           </p:cNvPicPr>
@@ -3994,8 +4935,8 @@
         </p:blipFill>
         <p:spPr bwMode="auto">
           <a:xfrm>
-            <a:off x="2699792" y="3789040"/>
-            <a:ext cx="2743200" cy="2762250"/>
+            <a:off x="312960" y="3789040"/>
+            <a:ext cx="8715375" cy="1440160"/>
           </a:xfrm>
           <a:prstGeom prst="rect">
             <a:avLst/>
@@ -4037,14 +4978,14 @@
       </p:pic>
       <p:sp>
         <p:nvSpPr>
-          <p:cNvPr id="3" name="TextBox 2"/>
+          <p:cNvPr id="4" name="TextBox 3"/>
           <p:cNvSpPr txBox="1"/>
           <p:nvPr/>
         </p:nvSpPr>
         <p:spPr>
           <a:xfrm>
-            <a:off x="0" y="3316342"/>
-            <a:ext cx="5652120" cy="646331"/>
+            <a:off x="124" y="908720"/>
+            <a:ext cx="352982" cy="369332"/>
           </a:xfrm>
           <a:prstGeom prst="rect">
             <a:avLst/>
@@ -4052,16 +4993,132 @@
           <a:noFill/>
         </p:spPr>
         <p:txBody>
-          <a:bodyPr wrap="square" rtlCol="0">
+          <a:bodyPr wrap="none" rtlCol="0">
             <a:spAutoFit/>
           </a:bodyPr>
           <a:lstStyle/>
           <a:p>
             <a:r>
-              <a:rPr lang="ru-RU" dirty="0" smtClean="0"/>
-              <a:t>Бот выводит разную информацию на разные имена героев </a:t>
-            </a:r>
-            <a:endParaRPr lang="ru-RU" dirty="0"/>
+              <a:rPr lang="en-US" dirty="0" smtClean="0">
+                <a:solidFill>
+                  <a:schemeClr val="tx2">
+                    <a:lumMod val="75000"/>
+                  </a:schemeClr>
+                </a:solidFill>
+              </a:rPr>
+              <a:t>1)</a:t>
+            </a:r>
+            <a:endParaRPr lang="ru-RU" dirty="0">
+              <a:solidFill>
+                <a:schemeClr val="tx2">
+                  <a:lumMod val="75000"/>
+                </a:schemeClr>
+              </a:solidFill>
+            </a:endParaRPr>
+          </a:p>
+        </p:txBody>
+      </p:sp>
+      <p:sp>
+        <p:nvSpPr>
+          <p:cNvPr id="10" name="TextBox 9"/>
+          <p:cNvSpPr txBox="1"/>
+          <p:nvPr/>
+        </p:nvSpPr>
+        <p:spPr>
+          <a:xfrm>
+            <a:off x="3148064" y="908720"/>
+            <a:ext cx="352982" cy="369332"/>
+          </a:xfrm>
+          <a:prstGeom prst="rect">
+            <a:avLst/>
+          </a:prstGeom>
+          <a:noFill/>
+        </p:spPr>
+        <p:txBody>
+          <a:bodyPr wrap="none" rtlCol="0">
+            <a:spAutoFit/>
+          </a:bodyPr>
+          <a:lstStyle/>
+          <a:p>
+            <a:r>
+              <a:rPr lang="en-US" dirty="0">
+                <a:solidFill>
+                  <a:schemeClr val="tx2">
+                    <a:lumMod val="75000"/>
+                  </a:schemeClr>
+                </a:solidFill>
+              </a:rPr>
+              <a:t>2</a:t>
+            </a:r>
+            <a:r>
+              <a:rPr lang="en-US" dirty="0" smtClean="0">
+                <a:solidFill>
+                  <a:schemeClr val="tx2">
+                    <a:lumMod val="75000"/>
+                  </a:schemeClr>
+                </a:solidFill>
+              </a:rPr>
+              <a:t>)</a:t>
+            </a:r>
+            <a:endParaRPr lang="ru-RU" dirty="0">
+              <a:solidFill>
+                <a:schemeClr val="tx2">
+                  <a:lumMod val="75000"/>
+                </a:schemeClr>
+              </a:solidFill>
+            </a:endParaRPr>
+          </a:p>
+        </p:txBody>
+      </p:sp>
+      <p:sp>
+        <p:nvSpPr>
+          <p:cNvPr id="11" name="TextBox 10"/>
+          <p:cNvSpPr txBox="1"/>
+          <p:nvPr/>
+        </p:nvSpPr>
+        <p:spPr>
+          <a:xfrm>
+            <a:off x="-40022" y="3789040"/>
+            <a:ext cx="352982" cy="369332"/>
+          </a:xfrm>
+          <a:prstGeom prst="rect">
+            <a:avLst/>
+          </a:prstGeom>
+          <a:noFill/>
+        </p:spPr>
+        <p:txBody>
+          <a:bodyPr wrap="none" rtlCol="0">
+            <a:spAutoFit/>
+          </a:bodyPr>
+          <a:lstStyle/>
+          <a:p>
+            <a:r>
+              <a:rPr lang="en-US" dirty="0">
+                <a:solidFill>
+                  <a:schemeClr val="tx2">
+                    <a:lumMod val="75000"/>
+                  </a:schemeClr>
+                </a:solidFill>
+              </a:rPr>
+              <a:t>3</a:t>
+            </a:r>
+            <a:r>
+              <a:rPr lang="en-US" dirty="0" smtClean="0">
+                <a:solidFill>
+                  <a:schemeClr val="tx2">
+                    <a:lumMod val="75000"/>
+                  </a:schemeClr>
+                </a:solidFill>
+              </a:rPr>
+              <a:t>)</a:t>
+            </a:r>
+            <a:endParaRPr lang="ru-RU" dirty="0">
+              <a:solidFill>
+                <a:schemeClr val="tx2">
+                  <a:lumMod val="75000"/>
+                </a:schemeClr>
+              </a:solidFill>
+            </a:endParaRPr>
           </a:p>
         </p:txBody>
       </p:sp>
@@ -4075,96 +5132,69 @@
   <p:clrMapOvr>
     <a:masterClrMapping/>
   </p:clrMapOvr>
+  <p:timing>
+    <p:tnLst>
+      <p:par>
+        <p:cTn id="1" dur="indefinite" restart="never" nodeType="tmRoot"/>
+      </p:par>
+    </p:tnLst>
+  </p:timing>
 </p:sld>
 </file>
 
 <file path=ppt/theme/theme1.xml><?xml version="1.0" encoding="utf-8"?>
-<a:theme xmlns:a="http://schemas.openxmlformats.org/drawingml/2006/main" name="Тема Office">
+<a:theme xmlns:a="http://schemas.openxmlformats.org/drawingml/2006/main" name="Горизонт">
   <a:themeElements>
-    <a:clrScheme name="Стандартная">
+    <a:clrScheme name="Горизонт">
       <a:dk1>
-        <a:sysClr val="windowText" lastClr="000000"/>
+        <a:srgbClr val="000000"/>
       </a:dk1>
       <a:lt1>
-        <a:sysClr val="window" lastClr="FFFFFF"/>
+        <a:srgbClr val="FFFFFF"/>
       </a:lt1>
       <a:dk2>
-        <a:srgbClr val="1F497D"/>
+        <a:srgbClr val="1F2123"/>
       </a:dk2>
       <a:lt2>
-        <a:srgbClr val="EEECE1"/>
+        <a:srgbClr val="DC9E1F"/>
       </a:lt2>
       <a:accent1>
-        <a:srgbClr val="4F81BD"/>
+        <a:srgbClr val="7E97AD"/>
       </a:accent1>
       <a:accent2>
-        <a:srgbClr val="C0504D"/>
+        <a:srgbClr val="CC8E60"/>
       </a:accent2>
       <a:accent3>
-        <a:srgbClr val="9BBB59"/>
+        <a:srgbClr val="7A6A60"/>
       </a:accent3>
       <a:accent4>
-        <a:srgbClr val="8064A2"/>
+        <a:srgbClr val="B4936D"/>
       </a:accent4>
       <a:accent5>
-        <a:srgbClr val="4BACC6"/>
+        <a:srgbClr val="67787B"/>
       </a:accent5>
       <a:accent6>
-        <a:srgbClr val="F79646"/>
+        <a:srgbClr val="9D936F"/>
       </a:accent6>
       <a:hlink>
-        <a:srgbClr val="0000FF"/>
+        <a:srgbClr val="646464"/>
       </a:hlink>
       <a:folHlink>
-        <a:srgbClr val="800080"/>
+        <a:srgbClr val="969696"/>
       </a:folHlink>
     </a:clrScheme>
-    <a:fontScheme name="Стандартная">
+    <a:fontScheme name="Горизонт">
       <a:majorFont>
-        <a:latin typeface="Calibri"/>
+        <a:latin typeface="Arial Narrow"/>
         <a:ea typeface=""/>
         <a:cs typeface=""/>
-        <a:font script="Jpan" typeface="ＭＳ Ｐゴシック"/>
-        <a:font script="Hang" typeface="맑은 고딕"/>
-        <a:font script="Hans" typeface="宋体"/>
-        <a:font script="Hant" typeface="新細明體"/>
-        <a:font script="Arab" typeface="Times New Roman"/>
-        <a:font script="Hebr" typeface="Times New Roman"/>
-        <a:font script="Thai" typeface="Angsana New"/>
-        <a:font script="Ethi" typeface="Nyala"/>
-        <a:font script="Beng" typeface="Vrinda"/>
-        <a:font script="Gujr" typeface="Shruti"/>
-        <a:font script="Khmr" typeface="MoolBoran"/>
-        <a:font script="Knda" typeface="Tunga"/>
-        <a:font script="Guru" typeface="Raavi"/>
-        <a:font script="Cans" typeface="Euphemia"/>
-        <a:font script="Cher" typeface="Plantagenet Cherokee"/>
-        <a:font script="Yiii" typeface="Microsoft Yi Baiti"/>
-        <a:font script="Tibt" typeface="Microsoft Himalaya"/>
-        <a:font script="Thaa" typeface="MV Boli"/>
-        <a:font script="Deva" typeface="Mangal"/>
-        <a:font script="Telu" typeface="Gautami"/>
-        <a:font script="Taml" typeface="Latha"/>
-        <a:font script="Syrc" typeface="Estrangelo Edessa"/>
-        <a:font script="Orya" typeface="Kalinga"/>
-        <a:font script="Mlym" typeface="Kartika"/>
-        <a:font script="Laoo" typeface="DokChampa"/>
-        <a:font script="Sinh" typeface="Iskoola Pota"/>
-        <a:font script="Mong" typeface="Mongolian Baiti"/>
-        <a:font script="Viet" typeface="Times New Roman"/>
-        <a:font script="Uigh" typeface="Microsoft Uighur"/>
-      </a:majorFont>
-      <a:minorFont>
-        <a:latin typeface="Calibri"/>
-        <a:ea typeface=""/>
-        <a:cs typeface=""/>
-        <a:font script="Jpan" typeface="ＭＳ Ｐゴシック"/>
-        <a:font script="Hang" typeface="맑은 고딕"/>
-        <a:font script="Hans" typeface="宋体"/>
-        <a:font script="Hant" typeface="新細明體"/>
+        <a:font script="Jpan" typeface="HGｺﾞｼｯｸM"/>
+        <a:font script="Hang" typeface="HY얕은샘물M"/>
+        <a:font script="Hans" typeface="方正姚体"/>
+        <a:font script="Hant" typeface="微軟正黑體"/>
         <a:font script="Arab" typeface="Arial"/>
-        <a:font script="Hebr" typeface="Arial"/>
-        <a:font script="Thai" typeface="Cordia New"/>
+        <a:font script="Hebr" typeface="Levenim MT"/>
+        <a:font script="Thai" typeface="FreesiaUPC"/>
         <a:font script="Ethi" typeface="Nyala"/>
         <a:font script="Beng" typeface="Vrinda"/>
         <a:font script="Gujr" typeface="Shruti"/>
@@ -4185,11 +5215,47 @@
         <a:font script="Laoo" typeface="DokChampa"/>
         <a:font script="Sinh" typeface="Iskoola Pota"/>
         <a:font script="Mong" typeface="Mongolian Baiti"/>
-        <a:font script="Viet" typeface="Arial"/>
+        <a:font script="Viet" typeface="Tahoma"/>
         <a:font script="Uigh" typeface="Microsoft Uighur"/>
+        <a:font script="Geor" typeface="Sylfaen"/>
+      </a:majorFont>
+      <a:minorFont>
+        <a:latin typeface="Arial Narrow"/>
+        <a:ea typeface=""/>
+        <a:cs typeface=""/>
+        <a:font script="Jpan" typeface="HGｺﾞｼｯｸM"/>
+        <a:font script="Hang" typeface="HY얕은샘물M"/>
+        <a:font script="Hans" typeface="方正姚体"/>
+        <a:font script="Hant" typeface="微軟正黑體"/>
+        <a:font script="Arab" typeface="Arial"/>
+        <a:font script="Hebr" typeface="Levenim MT"/>
+        <a:font script="Thai" typeface="FreesiaUPC"/>
+        <a:font script="Ethi" typeface="Nyala"/>
+        <a:font script="Beng" typeface="Vrinda"/>
+        <a:font script="Gujr" typeface="Shruti"/>
+        <a:font script="Khmr" typeface="DaunPenh"/>
+        <a:font script="Knda" typeface="Tunga"/>
+        <a:font script="Guru" typeface="Raavi"/>
+        <a:font script="Cans" typeface="Euphemia"/>
+        <a:font script="Cher" typeface="Plantagenet Cherokee"/>
+        <a:font script="Yiii" typeface="Microsoft Yi Baiti"/>
+        <a:font script="Tibt" typeface="Microsoft Himalaya"/>
+        <a:font script="Thaa" typeface="MV Boli"/>
+        <a:font script="Deva" typeface="Mangal"/>
+        <a:font script="Telu" typeface="Gautami"/>
+        <a:font script="Taml" typeface="Latha"/>
+        <a:font script="Syrc" typeface="Estrangelo Edessa"/>
+        <a:font script="Orya" typeface="Kalinga"/>
+        <a:font script="Mlym" typeface="Kartika"/>
+        <a:font script="Laoo" typeface="DokChampa"/>
+        <a:font script="Sinh" typeface="Iskoola Pota"/>
+        <a:font script="Mong" typeface="Mongolian Baiti"/>
+        <a:font script="Viet" typeface="Tahoma"/>
+        <a:font script="Uigh" typeface="Microsoft Uighur"/>
+        <a:font script="Geor" typeface="Sylfaen"/>
       </a:minorFont>
     </a:fontScheme>
-    <a:fmtScheme name="Стандартная">
+    <a:fmtScheme name="Горизонт">
       <a:fillStyleLst>
         <a:solidFill>
           <a:schemeClr val="phClr"/>
@@ -4198,68 +5264,62 @@
           <a:gsLst>
             <a:gs pos="0">
               <a:schemeClr val="phClr">
-                <a:tint val="50000"/>
-                <a:satMod val="300000"/>
-              </a:schemeClr>
-            </a:gs>
-            <a:gs pos="35000">
-              <a:schemeClr val="phClr">
-                <a:tint val="37000"/>
-                <a:satMod val="300000"/>
+                <a:tint val="83000"/>
+                <a:shade val="100000"/>
+                <a:satMod val="100000"/>
               </a:schemeClr>
             </a:gs>
             <a:gs pos="100000">
               <a:schemeClr val="phClr">
-                <a:tint val="15000"/>
-                <a:satMod val="350000"/>
+                <a:tint val="61000"/>
+                <a:alpha val="100000"/>
+                <a:satMod val="200000"/>
               </a:schemeClr>
             </a:gs>
           </a:gsLst>
-          <a:lin ang="16200000" scaled="1"/>
+          <a:path path="circle">
+            <a:fillToRect l="100000" t="100000" r="100000" b="100000"/>
+          </a:path>
         </a:gradFill>
         <a:gradFill rotWithShape="1">
           <a:gsLst>
             <a:gs pos="0">
               <a:schemeClr val="phClr">
-                <a:shade val="51000"/>
-                <a:satMod val="130000"/>
-              </a:schemeClr>
-            </a:gs>
-            <a:gs pos="80000">
-              <a:schemeClr val="phClr">
-                <a:shade val="93000"/>
-                <a:satMod val="130000"/>
+                <a:shade val="85000"/>
               </a:schemeClr>
             </a:gs>
             <a:gs pos="100000">
               <a:schemeClr val="phClr">
-                <a:shade val="94000"/>
-                <a:satMod val="135000"/>
+                <a:tint val="90000"/>
+                <a:alpha val="100000"/>
+                <a:satMod val="200000"/>
               </a:schemeClr>
             </a:gs>
           </a:gsLst>
-          <a:lin ang="16200000" scaled="0"/>
+          <a:path path="circle">
+            <a:fillToRect l="100000" t="100000" r="100000" b="100000"/>
+          </a:path>
         </a:gradFill>
       </a:fillStyleLst>
       <a:lnStyleLst>
         <a:ln w="9525" cap="flat" cmpd="sng" algn="ctr">
           <a:solidFill>
-            <a:schemeClr val="phClr">
-              <a:shade val="95000"/>
-              <a:satMod val="105000"/>
-            </a:schemeClr>
+            <a:schemeClr val="phClr"/>
           </a:solidFill>
           <a:prstDash val="solid"/>
         </a:ln>
-        <a:ln w="25400" cap="flat" cmpd="sng" algn="ctr">
+        <a:ln w="10795" cap="flat" cmpd="sng" algn="ctr">
           <a:solidFill>
             <a:schemeClr val="phClr"/>
           </a:solidFill>
           <a:prstDash val="solid"/>
         </a:ln>
-        <a:ln w="38100" cap="flat" cmpd="sng" algn="ctr">
+        <a:ln w="15240" cap="flat" cmpd="sng" algn="ctr">
           <a:solidFill>
-            <a:schemeClr val="phClr"/>
+            <a:schemeClr val="phClr">
+              <a:tint val="25000"/>
+              <a:alpha val="25000"/>
+            </a:schemeClr>
           </a:solidFill>
           <a:prstDash val="solid"/>
         </a:ln>
@@ -4267,27 +5327,27 @@
       <a:effectStyleLst>
         <a:effectStyle>
           <a:effectLst>
-            <a:outerShdw blurRad="40000" dist="20000" dir="5400000" rotWithShape="0">
+            <a:outerShdw blurRad="38100" dist="25400" dir="5400000" rotWithShape="0">
               <a:srgbClr val="000000">
-                <a:alpha val="38000"/>
+                <a:alpha val="40000"/>
               </a:srgbClr>
             </a:outerShdw>
           </a:effectLst>
         </a:effectStyle>
         <a:effectStyle>
           <a:effectLst>
-            <a:outerShdw blurRad="40000" dist="23000" dir="5400000" rotWithShape="0">
+            <a:outerShdw blurRad="50800" dist="42924" dir="5400000" rotWithShape="0">
               <a:srgbClr val="000000">
-                <a:alpha val="35000"/>
+                <a:alpha val="40000"/>
               </a:srgbClr>
             </a:outerShdw>
           </a:effectLst>
         </a:effectStyle>
         <a:effectStyle>
           <a:effectLst>
-            <a:outerShdw blurRad="40000" dist="23000" dir="5400000" rotWithShape="0">
+            <a:outerShdw blurRad="50800" dist="25400" dir="5400000" rotWithShape="0">
               <a:srgbClr val="000000">
-                <a:alpha val="35000"/>
+                <a:alpha val="40000"/>
               </a:srgbClr>
             </a:outerShdw>
           </a:effectLst>
@@ -4295,12 +5355,12 @@
             <a:camera prst="orthographicFront">
               <a:rot lat="0" lon="0" rev="0"/>
             </a:camera>
-            <a:lightRig rig="threePt" dir="t">
-              <a:rot lat="0" lon="0" rev="1200000"/>
+            <a:lightRig rig="flat" dir="t">
+              <a:rot lat="0" lon="0" rev="3600000"/>
             </a:lightRig>
           </a:scene3d>
-          <a:sp3d>
-            <a:bevelT w="63500" h="25400"/>
+          <a:sp3d prstMaterial="flat">
+            <a:bevelT w="34925" h="47625" prst="coolSlant"/>
           </a:sp3d>
         </a:effectStyle>
       </a:effectStyleLst>
@@ -4312,45 +5372,57 @@
           <a:gsLst>
             <a:gs pos="0">
               <a:schemeClr val="phClr">
-                <a:tint val="40000"/>
-                <a:satMod val="350000"/>
+                <a:tint val="96000"/>
+                <a:shade val="100000"/>
+                <a:alpha val="100000"/>
+                <a:satMod val="140000"/>
               </a:schemeClr>
             </a:gs>
-            <a:gs pos="40000">
+            <a:gs pos="31000">
               <a:schemeClr val="phClr">
-                <a:tint val="45000"/>
-                <a:shade val="99000"/>
-                <a:satMod val="350000"/>
+                <a:tint val="100000"/>
+                <a:shade val="90000"/>
+                <a:alpha val="100000"/>
               </a:schemeClr>
             </a:gs>
             <a:gs pos="100000">
               <a:schemeClr val="phClr">
-                <a:shade val="20000"/>
-                <a:satMod val="255000"/>
+                <a:tint val="100000"/>
+                <a:shade val="80000"/>
+                <a:alpha val="100000"/>
               </a:schemeClr>
             </a:gs>
           </a:gsLst>
-          <a:path path="circle">
-            <a:fillToRect l="50000" t="-80000" r="50000" b="180000"/>
-          </a:path>
+          <a:lin ang="5400000" scaled="0"/>
         </a:gradFill>
         <a:gradFill rotWithShape="1">
           <a:gsLst>
             <a:gs pos="0">
               <a:schemeClr val="phClr">
-                <a:tint val="80000"/>
-                <a:satMod val="300000"/>
+                <a:tint val="96000"/>
+                <a:shade val="100000"/>
+                <a:alpha val="100000"/>
+                <a:satMod val="180000"/>
+              </a:schemeClr>
+            </a:gs>
+            <a:gs pos="41000">
+              <a:schemeClr val="phClr">
+                <a:tint val="100000"/>
+                <a:shade val="100000"/>
+                <a:alpha val="100000"/>
+                <a:satMod val="150000"/>
               </a:schemeClr>
             </a:gs>
             <a:gs pos="100000">
               <a:schemeClr val="phClr">
-                <a:shade val="30000"/>
-                <a:satMod val="200000"/>
+                <a:tint val="100000"/>
+                <a:shade val="65000"/>
+                <a:alpha val="100000"/>
               </a:schemeClr>
             </a:gs>
           </a:gsLst>
           <a:path path="circle">
-            <a:fillToRect l="50000" t="50000" r="50000" b="50000"/>
+            <a:fillToRect l="50000" t="80000" r="100000" b="100000"/>
           </a:path>
         </a:gradFill>
       </a:bgFillStyleLst>
